--- a/Chapter7/Figures/Fig1.pptx
+++ b/Chapter7/Figures/Fig1.pptx
@@ -288,7 +288,7 @@
           <a:p>
             <a:fld id="{F848BF6A-F1E9-4728-9984-F1F3ACDA5DC0}" type="datetimeFigureOut">
               <a:rPr lang="en-GB" smtClean="0"/>
-              <a:t>05/06/2014</a:t>
+              <a:t>30/06/2014</a:t>
             </a:fld>
             <a:endParaRPr lang="en-GB"/>
           </a:p>
@@ -458,7 +458,7 @@
           <a:p>
             <a:fld id="{F848BF6A-F1E9-4728-9984-F1F3ACDA5DC0}" type="datetimeFigureOut">
               <a:rPr lang="en-GB" smtClean="0"/>
-              <a:t>05/06/2014</a:t>
+              <a:t>30/06/2014</a:t>
             </a:fld>
             <a:endParaRPr lang="en-GB"/>
           </a:p>
@@ -638,7 +638,7 @@
           <a:p>
             <a:fld id="{F848BF6A-F1E9-4728-9984-F1F3ACDA5DC0}" type="datetimeFigureOut">
               <a:rPr lang="en-GB" smtClean="0"/>
-              <a:t>05/06/2014</a:t>
+              <a:t>30/06/2014</a:t>
             </a:fld>
             <a:endParaRPr lang="en-GB"/>
           </a:p>
@@ -808,7 +808,7 @@
           <a:p>
             <a:fld id="{F848BF6A-F1E9-4728-9984-F1F3ACDA5DC0}" type="datetimeFigureOut">
               <a:rPr lang="en-GB" smtClean="0"/>
-              <a:t>05/06/2014</a:t>
+              <a:t>30/06/2014</a:t>
             </a:fld>
             <a:endParaRPr lang="en-GB"/>
           </a:p>
@@ -1054,7 +1054,7 @@
           <a:p>
             <a:fld id="{F848BF6A-F1E9-4728-9984-F1F3ACDA5DC0}" type="datetimeFigureOut">
               <a:rPr lang="en-GB" smtClean="0"/>
-              <a:t>05/06/2014</a:t>
+              <a:t>30/06/2014</a:t>
             </a:fld>
             <a:endParaRPr lang="en-GB"/>
           </a:p>
@@ -1342,7 +1342,7 @@
           <a:p>
             <a:fld id="{F848BF6A-F1E9-4728-9984-F1F3ACDA5DC0}" type="datetimeFigureOut">
               <a:rPr lang="en-GB" smtClean="0"/>
-              <a:t>05/06/2014</a:t>
+              <a:t>30/06/2014</a:t>
             </a:fld>
             <a:endParaRPr lang="en-GB"/>
           </a:p>
@@ -1764,7 +1764,7 @@
           <a:p>
             <a:fld id="{F848BF6A-F1E9-4728-9984-F1F3ACDA5DC0}" type="datetimeFigureOut">
               <a:rPr lang="en-GB" smtClean="0"/>
-              <a:t>05/06/2014</a:t>
+              <a:t>30/06/2014</a:t>
             </a:fld>
             <a:endParaRPr lang="en-GB"/>
           </a:p>
@@ -1882,7 +1882,7 @@
           <a:p>
             <a:fld id="{F848BF6A-F1E9-4728-9984-F1F3ACDA5DC0}" type="datetimeFigureOut">
               <a:rPr lang="en-GB" smtClean="0"/>
-              <a:t>05/06/2014</a:t>
+              <a:t>30/06/2014</a:t>
             </a:fld>
             <a:endParaRPr lang="en-GB"/>
           </a:p>
@@ -1977,7 +1977,7 @@
           <a:p>
             <a:fld id="{F848BF6A-F1E9-4728-9984-F1F3ACDA5DC0}" type="datetimeFigureOut">
               <a:rPr lang="en-GB" smtClean="0"/>
-              <a:t>05/06/2014</a:t>
+              <a:t>30/06/2014</a:t>
             </a:fld>
             <a:endParaRPr lang="en-GB"/>
           </a:p>
@@ -2254,7 +2254,7 @@
           <a:p>
             <a:fld id="{F848BF6A-F1E9-4728-9984-F1F3ACDA5DC0}" type="datetimeFigureOut">
               <a:rPr lang="en-GB" smtClean="0"/>
-              <a:t>05/06/2014</a:t>
+              <a:t>30/06/2014</a:t>
             </a:fld>
             <a:endParaRPr lang="en-GB"/>
           </a:p>
@@ -2507,7 +2507,7 @@
           <a:p>
             <a:fld id="{F848BF6A-F1E9-4728-9984-F1F3ACDA5DC0}" type="datetimeFigureOut">
               <a:rPr lang="en-GB" smtClean="0"/>
-              <a:t>05/06/2014</a:t>
+              <a:t>30/06/2014</a:t>
             </a:fld>
             <a:endParaRPr lang="en-GB"/>
           </a:p>
@@ -2720,7 +2720,7 @@
           <a:p>
             <a:fld id="{F848BF6A-F1E9-4728-9984-F1F3ACDA5DC0}" type="datetimeFigureOut">
               <a:rPr lang="en-GB" smtClean="0"/>
-              <a:t>05/06/2014</a:t>
+              <a:t>30/06/2014</a:t>
             </a:fld>
             <a:endParaRPr lang="en-GB"/>
           </a:p>
@@ -3105,10 +3105,10 @@
         </p:nvGrpSpPr>
         <p:grpSpPr>
           <a:xfrm>
-            <a:off x="265355" y="1086662"/>
-            <a:ext cx="2270335" cy="368952"/>
-            <a:chOff x="895426" y="845814"/>
-            <a:chExt cx="4540670" cy="737903"/>
+            <a:off x="265355" y="1092600"/>
+            <a:ext cx="2270335" cy="363014"/>
+            <a:chOff x="895426" y="857690"/>
+            <a:chExt cx="4540670" cy="726027"/>
           </a:xfrm>
           <a:solidFill>
             <a:schemeClr val="tx1">
@@ -3169,7 +3169,7 @@
           </p:nvSpPr>
           <p:spPr>
             <a:xfrm>
-              <a:off x="895426" y="845814"/>
+              <a:off x="895426" y="857690"/>
               <a:ext cx="504056" cy="350938"/>
             </a:xfrm>
             <a:prstGeom prst="rect">
@@ -3213,7 +3213,7 @@
           </p:nvSpPr>
           <p:spPr>
             <a:xfrm>
-              <a:off x="1907704" y="845814"/>
+              <a:off x="1907704" y="857690"/>
               <a:ext cx="504056" cy="350938"/>
             </a:xfrm>
             <a:prstGeom prst="rect">
@@ -3257,7 +3257,7 @@
           </p:nvSpPr>
           <p:spPr>
             <a:xfrm>
-              <a:off x="2915816" y="845814"/>
+              <a:off x="2915816" y="857690"/>
               <a:ext cx="504056" cy="350938"/>
             </a:xfrm>
             <a:prstGeom prst="rect">
@@ -3301,7 +3301,7 @@
           </p:nvSpPr>
           <p:spPr>
             <a:xfrm>
-              <a:off x="3923928" y="845814"/>
+              <a:off x="3923928" y="857690"/>
               <a:ext cx="504056" cy="350938"/>
             </a:xfrm>
             <a:prstGeom prst="rect">
@@ -3345,7 +3345,7 @@
           </p:nvSpPr>
           <p:spPr>
             <a:xfrm>
-              <a:off x="4932040" y="845814"/>
+              <a:off x="4932040" y="857690"/>
               <a:ext cx="504056" cy="350938"/>
             </a:xfrm>
             <a:prstGeom prst="rect">
@@ -4921,10 +4921,10 @@
             </p:nvGrpSpPr>
             <p:grpSpPr>
               <a:xfrm>
-                <a:off x="5652643" y="1635899"/>
-                <a:ext cx="2269812" cy="372815"/>
-                <a:chOff x="896472" y="845814"/>
-                <a:chExt cx="4539624" cy="745629"/>
+                <a:off x="5652643" y="1641837"/>
+                <a:ext cx="2269812" cy="366877"/>
+                <a:chOff x="896472" y="857690"/>
+                <a:chExt cx="4539624" cy="733753"/>
               </a:xfrm>
               <a:solidFill>
                 <a:schemeClr val="bg1">
@@ -4984,7 +4984,7 @@
               </p:nvSpPr>
               <p:spPr>
                 <a:xfrm>
-                  <a:off x="896472" y="845814"/>
+                  <a:off x="896472" y="857690"/>
                   <a:ext cx="504056" cy="350938"/>
                 </a:xfrm>
                 <a:prstGeom prst="rect">
@@ -5028,7 +5028,7 @@
               </p:nvSpPr>
               <p:spPr>
                 <a:xfrm>
-                  <a:off x="1907704" y="845814"/>
+                  <a:off x="1907704" y="857690"/>
                   <a:ext cx="504056" cy="350938"/>
                 </a:xfrm>
                 <a:prstGeom prst="rect">
@@ -5072,7 +5072,7 @@
               </p:nvSpPr>
               <p:spPr>
                 <a:xfrm>
-                  <a:off x="2915816" y="845814"/>
+                  <a:off x="2915816" y="857690"/>
                   <a:ext cx="504056" cy="350938"/>
                 </a:xfrm>
                 <a:prstGeom prst="rect">
@@ -5116,7 +5116,7 @@
               </p:nvSpPr>
               <p:spPr>
                 <a:xfrm>
-                  <a:off x="3923928" y="845814"/>
+                  <a:off x="3923928" y="857690"/>
                   <a:ext cx="504056" cy="350938"/>
                 </a:xfrm>
                 <a:prstGeom prst="rect">
@@ -5160,7 +5160,7 @@
               </p:nvSpPr>
               <p:spPr>
                 <a:xfrm>
-                  <a:off x="4932040" y="845814"/>
+                  <a:off x="4932040" y="857690"/>
                   <a:ext cx="504056" cy="350938"/>
                 </a:xfrm>
                 <a:prstGeom prst="rect">
@@ -6208,8 +6208,8 @@
             </a:prstGeom>
             <a:solidFill>
               <a:schemeClr val="tx1">
-                <a:lumMod val="50000"/>
-                <a:lumOff val="50000"/>
+                <a:lumMod val="65000"/>
+                <a:lumOff val="35000"/>
               </a:schemeClr>
             </a:solidFill>
             <a:ln>
@@ -6257,7 +6257,7 @@
             </a:prstGeom>
             <a:solidFill>
               <a:schemeClr val="bg1">
-                <a:lumMod val="95000"/>
+                <a:lumMod val="75000"/>
               </a:schemeClr>
             </a:solidFill>
             <a:ln>

--- a/Chapter7/Figures/Fig1.pptx
+++ b/Chapter7/Figures/Fig1.pptx
@@ -7,14 +7,14 @@
   <p:sldIdLst>
     <p:sldId id="256" r:id="rId2"/>
   </p:sldIdLst>
-  <p:sldSz cx="12241213" cy="5761038"/>
+  <p:sldSz cx="10080625" cy="8640763"/>
   <p:notesSz cx="6858000" cy="9144000"/>
   <p:defaultTextStyle>
     <a:defPPr>
       <a:defRPr lang="en-US"/>
     </a:defPPr>
-    <a:lvl1pPr marL="0" algn="l" defTabSz="914400" rtl="0" eaLnBrk="1" latinLnBrk="0" hangingPunct="1">
-      <a:defRPr sz="1800" kern="1200">
+    <a:lvl1pPr marL="0" algn="l" defTabSz="864474" rtl="0" eaLnBrk="1" latinLnBrk="0" hangingPunct="1">
+      <a:defRPr sz="1700" kern="1200">
         <a:solidFill>
           <a:schemeClr val="tx1"/>
         </a:solidFill>
@@ -23,8 +23,8 @@
         <a:cs typeface="+mn-cs"/>
       </a:defRPr>
     </a:lvl1pPr>
-    <a:lvl2pPr marL="457200" algn="l" defTabSz="914400" rtl="0" eaLnBrk="1" latinLnBrk="0" hangingPunct="1">
-      <a:defRPr sz="1800" kern="1200">
+    <a:lvl2pPr marL="432237" algn="l" defTabSz="864474" rtl="0" eaLnBrk="1" latinLnBrk="0" hangingPunct="1">
+      <a:defRPr sz="1700" kern="1200">
         <a:solidFill>
           <a:schemeClr val="tx1"/>
         </a:solidFill>
@@ -33,8 +33,8 @@
         <a:cs typeface="+mn-cs"/>
       </a:defRPr>
     </a:lvl2pPr>
-    <a:lvl3pPr marL="914400" algn="l" defTabSz="914400" rtl="0" eaLnBrk="1" latinLnBrk="0" hangingPunct="1">
-      <a:defRPr sz="1800" kern="1200">
+    <a:lvl3pPr marL="864474" algn="l" defTabSz="864474" rtl="0" eaLnBrk="1" latinLnBrk="0" hangingPunct="1">
+      <a:defRPr sz="1700" kern="1200">
         <a:solidFill>
           <a:schemeClr val="tx1"/>
         </a:solidFill>
@@ -43,8 +43,8 @@
         <a:cs typeface="+mn-cs"/>
       </a:defRPr>
     </a:lvl3pPr>
-    <a:lvl4pPr marL="1371600" algn="l" defTabSz="914400" rtl="0" eaLnBrk="1" latinLnBrk="0" hangingPunct="1">
-      <a:defRPr sz="1800" kern="1200">
+    <a:lvl4pPr marL="1296711" algn="l" defTabSz="864474" rtl="0" eaLnBrk="1" latinLnBrk="0" hangingPunct="1">
+      <a:defRPr sz="1700" kern="1200">
         <a:solidFill>
           <a:schemeClr val="tx1"/>
         </a:solidFill>
@@ -53,8 +53,8 @@
         <a:cs typeface="+mn-cs"/>
       </a:defRPr>
     </a:lvl4pPr>
-    <a:lvl5pPr marL="1828800" algn="l" defTabSz="914400" rtl="0" eaLnBrk="1" latinLnBrk="0" hangingPunct="1">
-      <a:defRPr sz="1800" kern="1200">
+    <a:lvl5pPr marL="1728948" algn="l" defTabSz="864474" rtl="0" eaLnBrk="1" latinLnBrk="0" hangingPunct="1">
+      <a:defRPr sz="1700" kern="1200">
         <a:solidFill>
           <a:schemeClr val="tx1"/>
         </a:solidFill>
@@ -63,8 +63,8 @@
         <a:cs typeface="+mn-cs"/>
       </a:defRPr>
     </a:lvl5pPr>
-    <a:lvl6pPr marL="2286000" algn="l" defTabSz="914400" rtl="0" eaLnBrk="1" latinLnBrk="0" hangingPunct="1">
-      <a:defRPr sz="1800" kern="1200">
+    <a:lvl6pPr marL="2161184" algn="l" defTabSz="864474" rtl="0" eaLnBrk="1" latinLnBrk="0" hangingPunct="1">
+      <a:defRPr sz="1700" kern="1200">
         <a:solidFill>
           <a:schemeClr val="tx1"/>
         </a:solidFill>
@@ -73,8 +73,8 @@
         <a:cs typeface="+mn-cs"/>
       </a:defRPr>
     </a:lvl6pPr>
-    <a:lvl7pPr marL="2743200" algn="l" defTabSz="914400" rtl="0" eaLnBrk="1" latinLnBrk="0" hangingPunct="1">
-      <a:defRPr sz="1800" kern="1200">
+    <a:lvl7pPr marL="2593421" algn="l" defTabSz="864474" rtl="0" eaLnBrk="1" latinLnBrk="0" hangingPunct="1">
+      <a:defRPr sz="1700" kern="1200">
         <a:solidFill>
           <a:schemeClr val="tx1"/>
         </a:solidFill>
@@ -83,8 +83,8 @@
         <a:cs typeface="+mn-cs"/>
       </a:defRPr>
     </a:lvl7pPr>
-    <a:lvl8pPr marL="3200400" algn="l" defTabSz="914400" rtl="0" eaLnBrk="1" latinLnBrk="0" hangingPunct="1">
-      <a:defRPr sz="1800" kern="1200">
+    <a:lvl8pPr marL="3025658" algn="l" defTabSz="864474" rtl="0" eaLnBrk="1" latinLnBrk="0" hangingPunct="1">
+      <a:defRPr sz="1700" kern="1200">
         <a:solidFill>
           <a:schemeClr val="tx1"/>
         </a:solidFill>
@@ -93,8 +93,8 @@
         <a:cs typeface="+mn-cs"/>
       </a:defRPr>
     </a:lvl8pPr>
-    <a:lvl9pPr marL="3657600" algn="l" defTabSz="914400" rtl="0" eaLnBrk="1" latinLnBrk="0" hangingPunct="1">
-      <a:defRPr sz="1800" kern="1200">
+    <a:lvl9pPr marL="3457895" algn="l" defTabSz="864474" rtl="0" eaLnBrk="1" latinLnBrk="0" hangingPunct="1">
+      <a:defRPr sz="1700" kern="1200">
         <a:solidFill>
           <a:schemeClr val="tx1"/>
         </a:solidFill>
@@ -136,8 +136,8 @@
         </p:nvSpPr>
         <p:spPr>
           <a:xfrm>
-            <a:off x="918092" y="1789658"/>
-            <a:ext cx="10405032" cy="1234890"/>
+            <a:off x="756047" y="2684241"/>
+            <a:ext cx="8568532" cy="1852165"/>
           </a:xfrm>
         </p:spPr>
         <p:txBody>
@@ -164,8 +164,8 @@
         </p:nvSpPr>
         <p:spPr>
           <a:xfrm>
-            <a:off x="1836185" y="3264588"/>
-            <a:ext cx="8568849" cy="1472266"/>
+            <a:off x="1512098" y="4896433"/>
+            <a:ext cx="7056438" cy="2208196"/>
           </a:xfrm>
         </p:spPr>
         <p:txBody>
@@ -181,7 +181,7 @@
                 </a:solidFill>
               </a:defRPr>
             </a:lvl1pPr>
-            <a:lvl2pPr marL="457200" indent="0" algn="ctr">
+            <a:lvl2pPr marL="432237" indent="0" algn="ctr">
               <a:buNone/>
               <a:defRPr>
                 <a:solidFill>
@@ -191,7 +191,7 @@
                 </a:solidFill>
               </a:defRPr>
             </a:lvl2pPr>
-            <a:lvl3pPr marL="914400" indent="0" algn="ctr">
+            <a:lvl3pPr marL="864474" indent="0" algn="ctr">
               <a:buNone/>
               <a:defRPr>
                 <a:solidFill>
@@ -201,7 +201,7 @@
                 </a:solidFill>
               </a:defRPr>
             </a:lvl3pPr>
-            <a:lvl4pPr marL="1371600" indent="0" algn="ctr">
+            <a:lvl4pPr marL="1296711" indent="0" algn="ctr">
               <a:buNone/>
               <a:defRPr>
                 <a:solidFill>
@@ -211,7 +211,7 @@
                 </a:solidFill>
               </a:defRPr>
             </a:lvl4pPr>
-            <a:lvl5pPr marL="1828800" indent="0" algn="ctr">
+            <a:lvl5pPr marL="1728948" indent="0" algn="ctr">
               <a:buNone/>
               <a:defRPr>
                 <a:solidFill>
@@ -221,7 +221,7 @@
                 </a:solidFill>
               </a:defRPr>
             </a:lvl5pPr>
-            <a:lvl6pPr marL="2286000" indent="0" algn="ctr">
+            <a:lvl6pPr marL="2161184" indent="0" algn="ctr">
               <a:buNone/>
               <a:defRPr>
                 <a:solidFill>
@@ -231,7 +231,7 @@
                 </a:solidFill>
               </a:defRPr>
             </a:lvl6pPr>
-            <a:lvl7pPr marL="2743200" indent="0" algn="ctr">
+            <a:lvl7pPr marL="2593421" indent="0" algn="ctr">
               <a:buNone/>
               <a:defRPr>
                 <a:solidFill>
@@ -241,7 +241,7 @@
                 </a:solidFill>
               </a:defRPr>
             </a:lvl7pPr>
-            <a:lvl8pPr marL="3200400" indent="0" algn="ctr">
+            <a:lvl8pPr marL="3025658" indent="0" algn="ctr">
               <a:buNone/>
               <a:defRPr>
                 <a:solidFill>
@@ -251,7 +251,7 @@
                 </a:solidFill>
               </a:defRPr>
             </a:lvl8pPr>
-            <a:lvl9pPr marL="3657600" indent="0" algn="ctr">
+            <a:lvl9pPr marL="3457895" indent="0" algn="ctr">
               <a:buNone/>
               <a:defRPr>
                 <a:solidFill>
@@ -288,7 +288,7 @@
           <a:p>
             <a:fld id="{F848BF6A-F1E9-4728-9984-F1F3ACDA5DC0}" type="datetimeFigureOut">
               <a:rPr lang="en-GB" smtClean="0"/>
-              <a:t>30/06/2014</a:t>
+              <a:t>10/09/2014</a:t>
             </a:fld>
             <a:endParaRPr lang="en-GB"/>
           </a:p>
@@ -458,7 +458,7 @@
           <a:p>
             <a:fld id="{F848BF6A-F1E9-4728-9984-F1F3ACDA5DC0}" type="datetimeFigureOut">
               <a:rPr lang="en-GB" smtClean="0"/>
-              <a:t>30/06/2014</a:t>
+              <a:t>10/09/2014</a:t>
             </a:fld>
             <a:endParaRPr lang="en-GB"/>
           </a:p>
@@ -548,8 +548,8 @@
         </p:nvSpPr>
         <p:spPr>
           <a:xfrm>
-            <a:off x="8874882" y="230712"/>
-            <a:ext cx="2754273" cy="4915552"/>
+            <a:off x="7308455" y="346037"/>
+            <a:ext cx="2268141" cy="7372650"/>
           </a:xfrm>
         </p:spPr>
         <p:txBody>
@@ -576,8 +576,8 @@
         </p:nvSpPr>
         <p:spPr>
           <a:xfrm>
-            <a:off x="612063" y="230712"/>
-            <a:ext cx="8058799" cy="4915552"/>
+            <a:off x="504035" y="346037"/>
+            <a:ext cx="6636412" cy="7372650"/>
           </a:xfrm>
         </p:spPr>
         <p:txBody>
@@ -638,7 +638,7 @@
           <a:p>
             <a:fld id="{F848BF6A-F1E9-4728-9984-F1F3ACDA5DC0}" type="datetimeFigureOut">
               <a:rPr lang="en-GB" smtClean="0"/>
-              <a:t>30/06/2014</a:t>
+              <a:t>10/09/2014</a:t>
             </a:fld>
             <a:endParaRPr lang="en-GB"/>
           </a:p>
@@ -808,7 +808,7 @@
           <a:p>
             <a:fld id="{F848BF6A-F1E9-4728-9984-F1F3ACDA5DC0}" type="datetimeFigureOut">
               <a:rPr lang="en-GB" smtClean="0"/>
-              <a:t>30/06/2014</a:t>
+              <a:t>10/09/2014</a:t>
             </a:fld>
             <a:endParaRPr lang="en-GB"/>
           </a:p>
@@ -898,15 +898,15 @@
         </p:nvSpPr>
         <p:spPr>
           <a:xfrm>
-            <a:off x="966971" y="3702004"/>
-            <a:ext cx="10405032" cy="1144206"/>
+            <a:off x="796300" y="5552496"/>
+            <a:ext cx="8568532" cy="1716151"/>
           </a:xfrm>
         </p:spPr>
         <p:txBody>
           <a:bodyPr anchor="t"/>
           <a:lstStyle>
             <a:lvl1pPr algn="l">
-              <a:defRPr sz="4000" b="1" cap="all"/>
+              <a:defRPr sz="3800" b="1" cap="all"/>
             </a:lvl1pPr>
           </a:lstStyle>
           <a:p>
@@ -930,8 +930,8 @@
         </p:nvSpPr>
         <p:spPr>
           <a:xfrm>
-            <a:off x="966971" y="2441774"/>
-            <a:ext cx="10405032" cy="1260227"/>
+            <a:off x="796300" y="3662325"/>
+            <a:ext cx="8568532" cy="1890167"/>
           </a:xfrm>
         </p:spPr>
         <p:txBody>
@@ -939,7 +939,7 @@
           <a:lstStyle>
             <a:lvl1pPr marL="0" indent="0">
               <a:buNone/>
-              <a:defRPr sz="2000">
+              <a:defRPr sz="1900">
                 <a:solidFill>
                   <a:schemeClr val="tx1">
                     <a:tint val="75000"/>
@@ -947,9 +947,9 @@
                 </a:solidFill>
               </a:defRPr>
             </a:lvl1pPr>
-            <a:lvl2pPr marL="457200" indent="0">
+            <a:lvl2pPr marL="432237" indent="0">
               <a:buNone/>
-              <a:defRPr sz="1800">
+              <a:defRPr sz="1700">
                 <a:solidFill>
                   <a:schemeClr val="tx1">
                     <a:tint val="75000"/>
@@ -957,9 +957,9 @@
                 </a:solidFill>
               </a:defRPr>
             </a:lvl2pPr>
-            <a:lvl3pPr marL="914400" indent="0">
+            <a:lvl3pPr marL="864474" indent="0">
               <a:buNone/>
-              <a:defRPr sz="1600">
+              <a:defRPr sz="1500">
                 <a:solidFill>
                   <a:schemeClr val="tx1">
                     <a:tint val="75000"/>
@@ -967,9 +967,9 @@
                 </a:solidFill>
               </a:defRPr>
             </a:lvl3pPr>
-            <a:lvl4pPr marL="1371600" indent="0">
+            <a:lvl4pPr marL="1296711" indent="0">
               <a:buNone/>
-              <a:defRPr sz="1400">
+              <a:defRPr sz="1300">
                 <a:solidFill>
                   <a:schemeClr val="tx1">
                     <a:tint val="75000"/>
@@ -977,9 +977,9 @@
                 </a:solidFill>
               </a:defRPr>
             </a:lvl4pPr>
-            <a:lvl5pPr marL="1828800" indent="0">
+            <a:lvl5pPr marL="1728948" indent="0">
               <a:buNone/>
-              <a:defRPr sz="1400">
+              <a:defRPr sz="1300">
                 <a:solidFill>
                   <a:schemeClr val="tx1">
                     <a:tint val="75000"/>
@@ -987,9 +987,9 @@
                 </a:solidFill>
               </a:defRPr>
             </a:lvl5pPr>
-            <a:lvl6pPr marL="2286000" indent="0">
+            <a:lvl6pPr marL="2161184" indent="0">
               <a:buNone/>
-              <a:defRPr sz="1400">
+              <a:defRPr sz="1300">
                 <a:solidFill>
                   <a:schemeClr val="tx1">
                     <a:tint val="75000"/>
@@ -997,9 +997,9 @@
                 </a:solidFill>
               </a:defRPr>
             </a:lvl6pPr>
-            <a:lvl7pPr marL="2743200" indent="0">
+            <a:lvl7pPr marL="2593421" indent="0">
               <a:buNone/>
-              <a:defRPr sz="1400">
+              <a:defRPr sz="1300">
                 <a:solidFill>
                   <a:schemeClr val="tx1">
                     <a:tint val="75000"/>
@@ -1007,9 +1007,9 @@
                 </a:solidFill>
               </a:defRPr>
             </a:lvl7pPr>
-            <a:lvl8pPr marL="3200400" indent="0">
+            <a:lvl8pPr marL="3025658" indent="0">
               <a:buNone/>
-              <a:defRPr sz="1400">
+              <a:defRPr sz="1300">
                 <a:solidFill>
                   <a:schemeClr val="tx1">
                     <a:tint val="75000"/>
@@ -1017,9 +1017,9 @@
                 </a:solidFill>
               </a:defRPr>
             </a:lvl8pPr>
-            <a:lvl9pPr marL="3657600" indent="0">
+            <a:lvl9pPr marL="3457895" indent="0">
               <a:buNone/>
-              <a:defRPr sz="1400">
+              <a:defRPr sz="1300">
                 <a:solidFill>
                   <a:schemeClr val="tx1">
                     <a:tint val="75000"/>
@@ -1054,7 +1054,7 @@
           <a:p>
             <a:fld id="{F848BF6A-F1E9-4728-9984-F1F3ACDA5DC0}" type="datetimeFigureOut">
               <a:rPr lang="en-GB" smtClean="0"/>
-              <a:t>30/06/2014</a:t>
+              <a:t>10/09/2014</a:t>
             </a:fld>
             <a:endParaRPr lang="en-GB"/>
           </a:p>
@@ -1167,39 +1167,39 @@
         </p:nvSpPr>
         <p:spPr>
           <a:xfrm>
-            <a:off x="612061" y="1344245"/>
-            <a:ext cx="5406536" cy="3802019"/>
+            <a:off x="504032" y="2016183"/>
+            <a:ext cx="4452276" cy="5702504"/>
           </a:xfrm>
         </p:spPr>
         <p:txBody>
           <a:bodyPr/>
           <a:lstStyle>
             <a:lvl1pPr>
-              <a:defRPr sz="2800"/>
+              <a:defRPr sz="2600"/>
             </a:lvl1pPr>
             <a:lvl2pPr>
-              <a:defRPr sz="2400"/>
+              <a:defRPr sz="2300"/>
             </a:lvl2pPr>
             <a:lvl3pPr>
-              <a:defRPr sz="2000"/>
+              <a:defRPr sz="1900"/>
             </a:lvl3pPr>
             <a:lvl4pPr>
-              <a:defRPr sz="1800"/>
+              <a:defRPr sz="1700"/>
             </a:lvl4pPr>
             <a:lvl5pPr>
-              <a:defRPr sz="1800"/>
+              <a:defRPr sz="1700"/>
             </a:lvl5pPr>
             <a:lvl6pPr>
-              <a:defRPr sz="1800"/>
+              <a:defRPr sz="1700"/>
             </a:lvl6pPr>
             <a:lvl7pPr>
-              <a:defRPr sz="1800"/>
+              <a:defRPr sz="1700"/>
             </a:lvl7pPr>
             <a:lvl8pPr>
-              <a:defRPr sz="1800"/>
+              <a:defRPr sz="1700"/>
             </a:lvl8pPr>
             <a:lvl9pPr>
-              <a:defRPr sz="1800"/>
+              <a:defRPr sz="1700"/>
             </a:lvl9pPr>
           </a:lstStyle>
           <a:p>
@@ -1252,39 +1252,39 @@
         </p:nvSpPr>
         <p:spPr>
           <a:xfrm>
-            <a:off x="6222616" y="1344245"/>
-            <a:ext cx="5406536" cy="3802019"/>
+            <a:off x="5124317" y="2016183"/>
+            <a:ext cx="4452276" cy="5702504"/>
           </a:xfrm>
         </p:spPr>
         <p:txBody>
           <a:bodyPr/>
           <a:lstStyle>
             <a:lvl1pPr>
-              <a:defRPr sz="2800"/>
+              <a:defRPr sz="2600"/>
             </a:lvl1pPr>
             <a:lvl2pPr>
-              <a:defRPr sz="2400"/>
+              <a:defRPr sz="2300"/>
             </a:lvl2pPr>
             <a:lvl3pPr>
-              <a:defRPr sz="2000"/>
+              <a:defRPr sz="1900"/>
             </a:lvl3pPr>
             <a:lvl4pPr>
-              <a:defRPr sz="1800"/>
+              <a:defRPr sz="1700"/>
             </a:lvl4pPr>
             <a:lvl5pPr>
-              <a:defRPr sz="1800"/>
+              <a:defRPr sz="1700"/>
             </a:lvl5pPr>
             <a:lvl6pPr>
-              <a:defRPr sz="1800"/>
+              <a:defRPr sz="1700"/>
             </a:lvl6pPr>
             <a:lvl7pPr>
-              <a:defRPr sz="1800"/>
+              <a:defRPr sz="1700"/>
             </a:lvl7pPr>
             <a:lvl8pPr>
-              <a:defRPr sz="1800"/>
+              <a:defRPr sz="1700"/>
             </a:lvl8pPr>
             <a:lvl9pPr>
-              <a:defRPr sz="1800"/>
+              <a:defRPr sz="1700"/>
             </a:lvl9pPr>
           </a:lstStyle>
           <a:p>
@@ -1342,7 +1342,7 @@
           <a:p>
             <a:fld id="{F848BF6A-F1E9-4728-9984-F1F3ACDA5DC0}" type="datetimeFigureOut">
               <a:rPr lang="en-GB" smtClean="0"/>
-              <a:t>30/06/2014</a:t>
+              <a:t>10/09/2014</a:t>
             </a:fld>
             <a:endParaRPr lang="en-GB"/>
           </a:p>
@@ -1459,8 +1459,8 @@
         </p:nvSpPr>
         <p:spPr>
           <a:xfrm>
-            <a:off x="612062" y="1289566"/>
-            <a:ext cx="5408662" cy="537430"/>
+            <a:off x="504032" y="1934172"/>
+            <a:ext cx="4454027" cy="806071"/>
           </a:xfrm>
         </p:spPr>
         <p:txBody>
@@ -1468,39 +1468,39 @@
           <a:lstStyle>
             <a:lvl1pPr marL="0" indent="0">
               <a:buNone/>
-              <a:defRPr sz="2400" b="1"/>
+              <a:defRPr sz="2300" b="1"/>
             </a:lvl1pPr>
-            <a:lvl2pPr marL="457200" indent="0">
+            <a:lvl2pPr marL="432237" indent="0">
               <a:buNone/>
-              <a:defRPr sz="2000" b="1"/>
+              <a:defRPr sz="1900" b="1"/>
             </a:lvl2pPr>
-            <a:lvl3pPr marL="914400" indent="0">
+            <a:lvl3pPr marL="864474" indent="0">
               <a:buNone/>
-              <a:defRPr sz="1800" b="1"/>
+              <a:defRPr sz="1700" b="1"/>
             </a:lvl3pPr>
-            <a:lvl4pPr marL="1371600" indent="0">
+            <a:lvl4pPr marL="1296711" indent="0">
               <a:buNone/>
-              <a:defRPr sz="1600" b="1"/>
+              <a:defRPr sz="1500" b="1"/>
             </a:lvl4pPr>
-            <a:lvl5pPr marL="1828800" indent="0">
+            <a:lvl5pPr marL="1728948" indent="0">
               <a:buNone/>
-              <a:defRPr sz="1600" b="1"/>
+              <a:defRPr sz="1500" b="1"/>
             </a:lvl5pPr>
-            <a:lvl6pPr marL="2286000" indent="0">
+            <a:lvl6pPr marL="2161184" indent="0">
               <a:buNone/>
-              <a:defRPr sz="1600" b="1"/>
+              <a:defRPr sz="1500" b="1"/>
             </a:lvl6pPr>
-            <a:lvl7pPr marL="2743200" indent="0">
+            <a:lvl7pPr marL="2593421" indent="0">
               <a:buNone/>
-              <a:defRPr sz="1600" b="1"/>
+              <a:defRPr sz="1500" b="1"/>
             </a:lvl7pPr>
-            <a:lvl8pPr marL="3200400" indent="0">
+            <a:lvl8pPr marL="3025658" indent="0">
               <a:buNone/>
-              <a:defRPr sz="1600" b="1"/>
+              <a:defRPr sz="1500" b="1"/>
             </a:lvl8pPr>
-            <a:lvl9pPr marL="3657600" indent="0">
+            <a:lvl9pPr marL="3457895" indent="0">
               <a:buNone/>
-              <a:defRPr sz="1600" b="1"/>
+              <a:defRPr sz="1500" b="1"/>
             </a:lvl9pPr>
           </a:lstStyle>
           <a:p>
@@ -1524,39 +1524,39 @@
         </p:nvSpPr>
         <p:spPr>
           <a:xfrm>
-            <a:off x="612062" y="1826997"/>
-            <a:ext cx="5408662" cy="3319265"/>
+            <a:off x="504032" y="2740246"/>
+            <a:ext cx="4454027" cy="4978440"/>
           </a:xfrm>
         </p:spPr>
         <p:txBody>
           <a:bodyPr/>
           <a:lstStyle>
             <a:lvl1pPr>
-              <a:defRPr sz="2400"/>
+              <a:defRPr sz="2300"/>
             </a:lvl1pPr>
             <a:lvl2pPr>
-              <a:defRPr sz="2000"/>
+              <a:defRPr sz="1900"/>
             </a:lvl2pPr>
             <a:lvl3pPr>
-              <a:defRPr sz="1800"/>
+              <a:defRPr sz="1700"/>
             </a:lvl3pPr>
             <a:lvl4pPr>
-              <a:defRPr sz="1600"/>
+              <a:defRPr sz="1500"/>
             </a:lvl4pPr>
             <a:lvl5pPr>
-              <a:defRPr sz="1600"/>
+              <a:defRPr sz="1500"/>
             </a:lvl5pPr>
             <a:lvl6pPr>
-              <a:defRPr sz="1600"/>
+              <a:defRPr sz="1500"/>
             </a:lvl6pPr>
             <a:lvl7pPr>
-              <a:defRPr sz="1600"/>
+              <a:defRPr sz="1500"/>
             </a:lvl7pPr>
             <a:lvl8pPr>
-              <a:defRPr sz="1600"/>
+              <a:defRPr sz="1500"/>
             </a:lvl8pPr>
             <a:lvl9pPr>
-              <a:defRPr sz="1600"/>
+              <a:defRPr sz="1500"/>
             </a:lvl9pPr>
           </a:lstStyle>
           <a:p>
@@ -1609,8 +1609,8 @@
         </p:nvSpPr>
         <p:spPr>
           <a:xfrm>
-            <a:off x="6218368" y="1289566"/>
-            <a:ext cx="5410786" cy="537430"/>
+            <a:off x="5120820" y="1934172"/>
+            <a:ext cx="4455777" cy="806071"/>
           </a:xfrm>
         </p:spPr>
         <p:txBody>
@@ -1618,39 +1618,39 @@
           <a:lstStyle>
             <a:lvl1pPr marL="0" indent="0">
               <a:buNone/>
-              <a:defRPr sz="2400" b="1"/>
+              <a:defRPr sz="2300" b="1"/>
             </a:lvl1pPr>
-            <a:lvl2pPr marL="457200" indent="0">
+            <a:lvl2pPr marL="432237" indent="0">
               <a:buNone/>
-              <a:defRPr sz="2000" b="1"/>
+              <a:defRPr sz="1900" b="1"/>
             </a:lvl2pPr>
-            <a:lvl3pPr marL="914400" indent="0">
+            <a:lvl3pPr marL="864474" indent="0">
               <a:buNone/>
-              <a:defRPr sz="1800" b="1"/>
+              <a:defRPr sz="1700" b="1"/>
             </a:lvl3pPr>
-            <a:lvl4pPr marL="1371600" indent="0">
+            <a:lvl4pPr marL="1296711" indent="0">
               <a:buNone/>
-              <a:defRPr sz="1600" b="1"/>
+              <a:defRPr sz="1500" b="1"/>
             </a:lvl4pPr>
-            <a:lvl5pPr marL="1828800" indent="0">
+            <a:lvl5pPr marL="1728948" indent="0">
               <a:buNone/>
-              <a:defRPr sz="1600" b="1"/>
+              <a:defRPr sz="1500" b="1"/>
             </a:lvl5pPr>
-            <a:lvl6pPr marL="2286000" indent="0">
+            <a:lvl6pPr marL="2161184" indent="0">
               <a:buNone/>
-              <a:defRPr sz="1600" b="1"/>
+              <a:defRPr sz="1500" b="1"/>
             </a:lvl6pPr>
-            <a:lvl7pPr marL="2743200" indent="0">
+            <a:lvl7pPr marL="2593421" indent="0">
               <a:buNone/>
-              <a:defRPr sz="1600" b="1"/>
+              <a:defRPr sz="1500" b="1"/>
             </a:lvl7pPr>
-            <a:lvl8pPr marL="3200400" indent="0">
+            <a:lvl8pPr marL="3025658" indent="0">
               <a:buNone/>
-              <a:defRPr sz="1600" b="1"/>
+              <a:defRPr sz="1500" b="1"/>
             </a:lvl8pPr>
-            <a:lvl9pPr marL="3657600" indent="0">
+            <a:lvl9pPr marL="3457895" indent="0">
               <a:buNone/>
-              <a:defRPr sz="1600" b="1"/>
+              <a:defRPr sz="1500" b="1"/>
             </a:lvl9pPr>
           </a:lstStyle>
           <a:p>
@@ -1674,39 +1674,39 @@
         </p:nvSpPr>
         <p:spPr>
           <a:xfrm>
-            <a:off x="6218368" y="1826997"/>
-            <a:ext cx="5410786" cy="3319265"/>
+            <a:off x="5120820" y="2740246"/>
+            <a:ext cx="4455777" cy="4978440"/>
           </a:xfrm>
         </p:spPr>
         <p:txBody>
           <a:bodyPr/>
           <a:lstStyle>
             <a:lvl1pPr>
-              <a:defRPr sz="2400"/>
+              <a:defRPr sz="2300"/>
             </a:lvl1pPr>
             <a:lvl2pPr>
-              <a:defRPr sz="2000"/>
+              <a:defRPr sz="1900"/>
             </a:lvl2pPr>
             <a:lvl3pPr>
-              <a:defRPr sz="1800"/>
+              <a:defRPr sz="1700"/>
             </a:lvl3pPr>
             <a:lvl4pPr>
-              <a:defRPr sz="1600"/>
+              <a:defRPr sz="1500"/>
             </a:lvl4pPr>
             <a:lvl5pPr>
-              <a:defRPr sz="1600"/>
+              <a:defRPr sz="1500"/>
             </a:lvl5pPr>
             <a:lvl6pPr>
-              <a:defRPr sz="1600"/>
+              <a:defRPr sz="1500"/>
             </a:lvl6pPr>
             <a:lvl7pPr>
-              <a:defRPr sz="1600"/>
+              <a:defRPr sz="1500"/>
             </a:lvl7pPr>
             <a:lvl8pPr>
-              <a:defRPr sz="1600"/>
+              <a:defRPr sz="1500"/>
             </a:lvl8pPr>
             <a:lvl9pPr>
-              <a:defRPr sz="1600"/>
+              <a:defRPr sz="1500"/>
             </a:lvl9pPr>
           </a:lstStyle>
           <a:p>
@@ -1764,7 +1764,7 @@
           <a:p>
             <a:fld id="{F848BF6A-F1E9-4728-9984-F1F3ACDA5DC0}" type="datetimeFigureOut">
               <a:rPr lang="en-GB" smtClean="0"/>
-              <a:t>30/06/2014</a:t>
+              <a:t>10/09/2014</a:t>
             </a:fld>
             <a:endParaRPr lang="en-GB"/>
           </a:p>
@@ -1882,7 +1882,7 @@
           <a:p>
             <a:fld id="{F848BF6A-F1E9-4728-9984-F1F3ACDA5DC0}" type="datetimeFigureOut">
               <a:rPr lang="en-GB" smtClean="0"/>
-              <a:t>30/06/2014</a:t>
+              <a:t>10/09/2014</a:t>
             </a:fld>
             <a:endParaRPr lang="en-GB"/>
           </a:p>
@@ -1977,7 +1977,7 @@
           <a:p>
             <a:fld id="{F848BF6A-F1E9-4728-9984-F1F3ACDA5DC0}" type="datetimeFigureOut">
               <a:rPr lang="en-GB" smtClean="0"/>
-              <a:t>30/06/2014</a:t>
+              <a:t>10/09/2014</a:t>
             </a:fld>
             <a:endParaRPr lang="en-GB"/>
           </a:p>
@@ -2067,15 +2067,15 @@
         </p:nvSpPr>
         <p:spPr>
           <a:xfrm>
-            <a:off x="612063" y="229375"/>
-            <a:ext cx="4027274" cy="976176"/>
+            <a:off x="504035" y="344032"/>
+            <a:ext cx="3316455" cy="1464130"/>
           </a:xfrm>
         </p:spPr>
         <p:txBody>
           <a:bodyPr anchor="b"/>
           <a:lstStyle>
             <a:lvl1pPr algn="l">
-              <a:defRPr sz="2000" b="1"/>
+              <a:defRPr sz="1900" b="1"/>
             </a:lvl1pPr>
           </a:lstStyle>
           <a:p>
@@ -2099,39 +2099,39 @@
         </p:nvSpPr>
         <p:spPr>
           <a:xfrm>
-            <a:off x="4785974" y="229378"/>
-            <a:ext cx="6843178" cy="4916886"/>
+            <a:off x="3941245" y="344036"/>
+            <a:ext cx="5635350" cy="7374651"/>
           </a:xfrm>
         </p:spPr>
         <p:txBody>
           <a:bodyPr/>
           <a:lstStyle>
             <a:lvl1pPr>
-              <a:defRPr sz="3200"/>
+              <a:defRPr sz="3000"/>
             </a:lvl1pPr>
             <a:lvl2pPr>
-              <a:defRPr sz="2800"/>
+              <a:defRPr sz="2600"/>
             </a:lvl2pPr>
             <a:lvl3pPr>
-              <a:defRPr sz="2400"/>
+              <a:defRPr sz="2300"/>
             </a:lvl3pPr>
             <a:lvl4pPr>
-              <a:defRPr sz="2000"/>
+              <a:defRPr sz="1900"/>
             </a:lvl4pPr>
             <a:lvl5pPr>
-              <a:defRPr sz="2000"/>
+              <a:defRPr sz="1900"/>
             </a:lvl5pPr>
             <a:lvl6pPr>
-              <a:defRPr sz="2000"/>
+              <a:defRPr sz="1900"/>
             </a:lvl6pPr>
             <a:lvl7pPr>
-              <a:defRPr sz="2000"/>
+              <a:defRPr sz="1900"/>
             </a:lvl7pPr>
             <a:lvl8pPr>
-              <a:defRPr sz="2000"/>
+              <a:defRPr sz="1900"/>
             </a:lvl8pPr>
             <a:lvl9pPr>
-              <a:defRPr sz="2000"/>
+              <a:defRPr sz="1900"/>
             </a:lvl9pPr>
           </a:lstStyle>
           <a:p>
@@ -2184,8 +2184,8 @@
         </p:nvSpPr>
         <p:spPr>
           <a:xfrm>
-            <a:off x="612063" y="1205554"/>
-            <a:ext cx="4027274" cy="3940710"/>
+            <a:off x="504035" y="1808166"/>
+            <a:ext cx="3316455" cy="5910521"/>
           </a:xfrm>
         </p:spPr>
         <p:txBody>
@@ -2193,37 +2193,37 @@
           <a:lstStyle>
             <a:lvl1pPr marL="0" indent="0">
               <a:buNone/>
-              <a:defRPr sz="1400"/>
+              <a:defRPr sz="1300"/>
             </a:lvl1pPr>
-            <a:lvl2pPr marL="457200" indent="0">
+            <a:lvl2pPr marL="432237" indent="0">
               <a:buNone/>
-              <a:defRPr sz="1200"/>
+              <a:defRPr sz="1100"/>
             </a:lvl2pPr>
-            <a:lvl3pPr marL="914400" indent="0">
+            <a:lvl3pPr marL="864474" indent="0">
               <a:buNone/>
-              <a:defRPr sz="1000"/>
+              <a:defRPr sz="900"/>
             </a:lvl3pPr>
-            <a:lvl4pPr marL="1371600" indent="0">
+            <a:lvl4pPr marL="1296711" indent="0">
               <a:buNone/>
               <a:defRPr sz="900"/>
             </a:lvl4pPr>
-            <a:lvl5pPr marL="1828800" indent="0">
+            <a:lvl5pPr marL="1728948" indent="0">
               <a:buNone/>
               <a:defRPr sz="900"/>
             </a:lvl5pPr>
-            <a:lvl6pPr marL="2286000" indent="0">
+            <a:lvl6pPr marL="2161184" indent="0">
               <a:buNone/>
               <a:defRPr sz="900"/>
             </a:lvl6pPr>
-            <a:lvl7pPr marL="2743200" indent="0">
+            <a:lvl7pPr marL="2593421" indent="0">
               <a:buNone/>
               <a:defRPr sz="900"/>
             </a:lvl7pPr>
-            <a:lvl8pPr marL="3200400" indent="0">
+            <a:lvl8pPr marL="3025658" indent="0">
               <a:buNone/>
               <a:defRPr sz="900"/>
             </a:lvl8pPr>
-            <a:lvl9pPr marL="3657600" indent="0">
+            <a:lvl9pPr marL="3457895" indent="0">
               <a:buNone/>
               <a:defRPr sz="900"/>
             </a:lvl9pPr>
@@ -2254,7 +2254,7 @@
           <a:p>
             <a:fld id="{F848BF6A-F1E9-4728-9984-F1F3ACDA5DC0}" type="datetimeFigureOut">
               <a:rPr lang="en-GB" smtClean="0"/>
-              <a:t>30/06/2014</a:t>
+              <a:t>10/09/2014</a:t>
             </a:fld>
             <a:endParaRPr lang="en-GB"/>
           </a:p>
@@ -2344,15 +2344,15 @@
         </p:nvSpPr>
         <p:spPr>
           <a:xfrm>
-            <a:off x="2399364" y="4032727"/>
-            <a:ext cx="7344728" cy="476086"/>
+            <a:off x="1975874" y="6048535"/>
+            <a:ext cx="6048375" cy="714064"/>
           </a:xfrm>
         </p:spPr>
         <p:txBody>
           <a:bodyPr anchor="b"/>
           <a:lstStyle>
             <a:lvl1pPr algn="l">
-              <a:defRPr sz="2000" b="1"/>
+              <a:defRPr sz="1900" b="1"/>
             </a:lvl1pPr>
           </a:lstStyle>
           <a:p>
@@ -2376,8 +2376,8 @@
         </p:nvSpPr>
         <p:spPr>
           <a:xfrm>
-            <a:off x="2399364" y="514760"/>
-            <a:ext cx="7344728" cy="3456623"/>
+            <a:off x="1975874" y="772071"/>
+            <a:ext cx="6048375" cy="5184458"/>
           </a:xfrm>
         </p:spPr>
         <p:txBody>
@@ -2385,39 +2385,39 @@
           <a:lstStyle>
             <a:lvl1pPr marL="0" indent="0">
               <a:buNone/>
-              <a:defRPr sz="3200"/>
+              <a:defRPr sz="3000"/>
             </a:lvl1pPr>
-            <a:lvl2pPr marL="457200" indent="0">
+            <a:lvl2pPr marL="432237" indent="0">
               <a:buNone/>
-              <a:defRPr sz="2800"/>
+              <a:defRPr sz="2600"/>
             </a:lvl2pPr>
-            <a:lvl3pPr marL="914400" indent="0">
+            <a:lvl3pPr marL="864474" indent="0">
               <a:buNone/>
-              <a:defRPr sz="2400"/>
+              <a:defRPr sz="2300"/>
             </a:lvl3pPr>
-            <a:lvl4pPr marL="1371600" indent="0">
+            <a:lvl4pPr marL="1296711" indent="0">
               <a:buNone/>
-              <a:defRPr sz="2000"/>
+              <a:defRPr sz="1900"/>
             </a:lvl4pPr>
-            <a:lvl5pPr marL="1828800" indent="0">
+            <a:lvl5pPr marL="1728948" indent="0">
               <a:buNone/>
-              <a:defRPr sz="2000"/>
+              <a:defRPr sz="1900"/>
             </a:lvl5pPr>
-            <a:lvl6pPr marL="2286000" indent="0">
+            <a:lvl6pPr marL="2161184" indent="0">
               <a:buNone/>
-              <a:defRPr sz="2000"/>
+              <a:defRPr sz="1900"/>
             </a:lvl6pPr>
-            <a:lvl7pPr marL="2743200" indent="0">
+            <a:lvl7pPr marL="2593421" indent="0">
               <a:buNone/>
-              <a:defRPr sz="2000"/>
+              <a:defRPr sz="1900"/>
             </a:lvl7pPr>
-            <a:lvl8pPr marL="3200400" indent="0">
+            <a:lvl8pPr marL="3025658" indent="0">
               <a:buNone/>
-              <a:defRPr sz="2000"/>
+              <a:defRPr sz="1900"/>
             </a:lvl8pPr>
-            <a:lvl9pPr marL="3657600" indent="0">
+            <a:lvl9pPr marL="3457895" indent="0">
               <a:buNone/>
-              <a:defRPr sz="2000"/>
+              <a:defRPr sz="1900"/>
             </a:lvl9pPr>
           </a:lstStyle>
           <a:p>
@@ -2437,8 +2437,8 @@
         </p:nvSpPr>
         <p:spPr>
           <a:xfrm>
-            <a:off x="2399364" y="4508813"/>
-            <a:ext cx="7344728" cy="676121"/>
+            <a:off x="1975874" y="6762599"/>
+            <a:ext cx="6048375" cy="1014089"/>
           </a:xfrm>
         </p:spPr>
         <p:txBody>
@@ -2446,37 +2446,37 @@
           <a:lstStyle>
             <a:lvl1pPr marL="0" indent="0">
               <a:buNone/>
-              <a:defRPr sz="1400"/>
+              <a:defRPr sz="1300"/>
             </a:lvl1pPr>
-            <a:lvl2pPr marL="457200" indent="0">
+            <a:lvl2pPr marL="432237" indent="0">
               <a:buNone/>
-              <a:defRPr sz="1200"/>
+              <a:defRPr sz="1100"/>
             </a:lvl2pPr>
-            <a:lvl3pPr marL="914400" indent="0">
+            <a:lvl3pPr marL="864474" indent="0">
               <a:buNone/>
-              <a:defRPr sz="1000"/>
+              <a:defRPr sz="900"/>
             </a:lvl3pPr>
-            <a:lvl4pPr marL="1371600" indent="0">
+            <a:lvl4pPr marL="1296711" indent="0">
               <a:buNone/>
               <a:defRPr sz="900"/>
             </a:lvl4pPr>
-            <a:lvl5pPr marL="1828800" indent="0">
+            <a:lvl5pPr marL="1728948" indent="0">
               <a:buNone/>
               <a:defRPr sz="900"/>
             </a:lvl5pPr>
-            <a:lvl6pPr marL="2286000" indent="0">
+            <a:lvl6pPr marL="2161184" indent="0">
               <a:buNone/>
               <a:defRPr sz="900"/>
             </a:lvl6pPr>
-            <a:lvl7pPr marL="2743200" indent="0">
+            <a:lvl7pPr marL="2593421" indent="0">
               <a:buNone/>
               <a:defRPr sz="900"/>
             </a:lvl7pPr>
-            <a:lvl8pPr marL="3200400" indent="0">
+            <a:lvl8pPr marL="3025658" indent="0">
               <a:buNone/>
               <a:defRPr sz="900"/>
             </a:lvl8pPr>
-            <a:lvl9pPr marL="3657600" indent="0">
+            <a:lvl9pPr marL="3457895" indent="0">
               <a:buNone/>
               <a:defRPr sz="900"/>
             </a:lvl9pPr>
@@ -2507,7 +2507,7 @@
           <a:p>
             <a:fld id="{F848BF6A-F1E9-4728-9984-F1F3ACDA5DC0}" type="datetimeFigureOut">
               <a:rPr lang="en-GB" smtClean="0"/>
-              <a:t>30/06/2014</a:t>
+              <a:t>10/09/2014</a:t>
             </a:fld>
             <a:endParaRPr lang="en-GB"/>
           </a:p>
@@ -2602,15 +2602,15 @@
         </p:nvSpPr>
         <p:spPr>
           <a:xfrm>
-            <a:off x="612062" y="230709"/>
-            <a:ext cx="11017092" cy="960173"/>
+            <a:off x="504034" y="346033"/>
+            <a:ext cx="9072563" cy="1440128"/>
           </a:xfrm>
           <a:prstGeom prst="rect">
             <a:avLst/>
           </a:prstGeom>
         </p:spPr>
         <p:txBody>
-          <a:bodyPr vert="horz" lIns="91440" tIns="45720" rIns="91440" bIns="45720" rtlCol="0" anchor="ctr">
+          <a:bodyPr vert="horz" lIns="86447" tIns="43224" rIns="86447" bIns="43224" rtlCol="0" anchor="ctr">
             <a:normAutofit/>
           </a:bodyPr>
           <a:lstStyle/>
@@ -2635,15 +2635,15 @@
         </p:nvSpPr>
         <p:spPr>
           <a:xfrm>
-            <a:off x="612062" y="1344245"/>
-            <a:ext cx="11017092" cy="3802019"/>
+            <a:off x="504034" y="2016183"/>
+            <a:ext cx="9072563" cy="5702504"/>
           </a:xfrm>
           <a:prstGeom prst="rect">
             <a:avLst/>
           </a:prstGeom>
         </p:spPr>
         <p:txBody>
-          <a:bodyPr vert="horz" lIns="91440" tIns="45720" rIns="91440" bIns="45720" rtlCol="0">
+          <a:bodyPr vert="horz" lIns="86447" tIns="43224" rIns="86447" bIns="43224" rtlCol="0">
             <a:normAutofit/>
           </a:bodyPr>
           <a:lstStyle/>
@@ -2697,18 +2697,18 @@
         </p:nvSpPr>
         <p:spPr>
           <a:xfrm>
-            <a:off x="612062" y="5339632"/>
-            <a:ext cx="2856284" cy="306722"/>
+            <a:off x="504033" y="8008713"/>
+            <a:ext cx="2352147" cy="460040"/>
           </a:xfrm>
           <a:prstGeom prst="rect">
             <a:avLst/>
           </a:prstGeom>
         </p:spPr>
         <p:txBody>
-          <a:bodyPr vert="horz" lIns="91440" tIns="45720" rIns="91440" bIns="45720" rtlCol="0" anchor="ctr"/>
+          <a:bodyPr vert="horz" lIns="86447" tIns="43224" rIns="86447" bIns="43224" rtlCol="0" anchor="ctr"/>
           <a:lstStyle>
             <a:lvl1pPr algn="l">
-              <a:defRPr sz="1200">
+              <a:defRPr sz="1100">
                 <a:solidFill>
                   <a:schemeClr val="tx1">
                     <a:tint val="75000"/>
@@ -2720,7 +2720,7 @@
           <a:p>
             <a:fld id="{F848BF6A-F1E9-4728-9984-F1F3ACDA5DC0}" type="datetimeFigureOut">
               <a:rPr lang="en-GB" smtClean="0"/>
-              <a:t>30/06/2014</a:t>
+              <a:t>10/09/2014</a:t>
             </a:fld>
             <a:endParaRPr lang="en-GB"/>
           </a:p>
@@ -2738,18 +2738,18 @@
         </p:nvSpPr>
         <p:spPr>
           <a:xfrm>
-            <a:off x="4182416" y="5339632"/>
-            <a:ext cx="3876384" cy="306722"/>
+            <a:off x="3444217" y="8008713"/>
+            <a:ext cx="3192197" cy="460040"/>
           </a:xfrm>
           <a:prstGeom prst="rect">
             <a:avLst/>
           </a:prstGeom>
         </p:spPr>
         <p:txBody>
-          <a:bodyPr vert="horz" lIns="91440" tIns="45720" rIns="91440" bIns="45720" rtlCol="0" anchor="ctr"/>
+          <a:bodyPr vert="horz" lIns="86447" tIns="43224" rIns="86447" bIns="43224" rtlCol="0" anchor="ctr"/>
           <a:lstStyle>
             <a:lvl1pPr algn="ctr">
-              <a:defRPr sz="1200">
+              <a:defRPr sz="1100">
                 <a:solidFill>
                   <a:schemeClr val="tx1">
                     <a:tint val="75000"/>
@@ -2775,18 +2775,18 @@
         </p:nvSpPr>
         <p:spPr>
           <a:xfrm>
-            <a:off x="8772870" y="5339632"/>
-            <a:ext cx="2856284" cy="306722"/>
+            <a:off x="7224448" y="8008713"/>
+            <a:ext cx="2352147" cy="460040"/>
           </a:xfrm>
           <a:prstGeom prst="rect">
             <a:avLst/>
           </a:prstGeom>
         </p:spPr>
         <p:txBody>
-          <a:bodyPr vert="horz" lIns="91440" tIns="45720" rIns="91440" bIns="45720" rtlCol="0" anchor="ctr"/>
+          <a:bodyPr vert="horz" lIns="86447" tIns="43224" rIns="86447" bIns="43224" rtlCol="0" anchor="ctr"/>
           <a:lstStyle>
             <a:lvl1pPr algn="r">
-              <a:defRPr sz="1200">
+              <a:defRPr sz="1100">
                 <a:solidFill>
                   <a:schemeClr val="tx1">
                     <a:tint val="75000"/>
@@ -2827,12 +2827,12 @@
   </p:sldLayoutIdLst>
   <p:txStyles>
     <p:titleStyle>
-      <a:lvl1pPr algn="ctr" defTabSz="914400" rtl="0" eaLnBrk="1" latinLnBrk="0" hangingPunct="1">
+      <a:lvl1pPr algn="ctr" defTabSz="864474" rtl="0" eaLnBrk="1" latinLnBrk="0" hangingPunct="1">
         <a:spcBef>
           <a:spcPct val="0"/>
         </a:spcBef>
         <a:buNone/>
-        <a:defRPr sz="4400" kern="1200">
+        <a:defRPr sz="4200" kern="1200">
           <a:solidFill>
             <a:schemeClr val="tx1"/>
           </a:solidFill>
@@ -2843,13 +2843,13 @@
       </a:lvl1pPr>
     </p:titleStyle>
     <p:bodyStyle>
-      <a:lvl1pPr marL="342900" indent="-342900" algn="l" defTabSz="914400" rtl="0" eaLnBrk="1" latinLnBrk="0" hangingPunct="1">
+      <a:lvl1pPr marL="324178" indent="-324178" algn="l" defTabSz="864474" rtl="0" eaLnBrk="1" latinLnBrk="0" hangingPunct="1">
         <a:spcBef>
           <a:spcPct val="20000"/>
         </a:spcBef>
         <a:buFont typeface="Arial" panose="020B0604020202020204" pitchFamily="34" charset="0"/>
         <a:buChar char="•"/>
-        <a:defRPr sz="3200" kern="1200">
+        <a:defRPr sz="3000" kern="1200">
           <a:solidFill>
             <a:schemeClr val="tx1"/>
           </a:solidFill>
@@ -2858,13 +2858,13 @@
           <a:cs typeface="+mn-cs"/>
         </a:defRPr>
       </a:lvl1pPr>
-      <a:lvl2pPr marL="742950" indent="-285750" algn="l" defTabSz="914400" rtl="0" eaLnBrk="1" latinLnBrk="0" hangingPunct="1">
+      <a:lvl2pPr marL="702385" indent="-270148" algn="l" defTabSz="864474" rtl="0" eaLnBrk="1" latinLnBrk="0" hangingPunct="1">
         <a:spcBef>
           <a:spcPct val="20000"/>
         </a:spcBef>
         <a:buFont typeface="Arial" panose="020B0604020202020204" pitchFamily="34" charset="0"/>
         <a:buChar char="–"/>
-        <a:defRPr sz="2800" kern="1200">
+        <a:defRPr sz="2600" kern="1200">
           <a:solidFill>
             <a:schemeClr val="tx1"/>
           </a:solidFill>
@@ -2873,13 +2873,13 @@
           <a:cs typeface="+mn-cs"/>
         </a:defRPr>
       </a:lvl2pPr>
-      <a:lvl3pPr marL="1143000" indent="-228600" algn="l" defTabSz="914400" rtl="0" eaLnBrk="1" latinLnBrk="0" hangingPunct="1">
+      <a:lvl3pPr marL="1080592" indent="-216118" algn="l" defTabSz="864474" rtl="0" eaLnBrk="1" latinLnBrk="0" hangingPunct="1">
         <a:spcBef>
           <a:spcPct val="20000"/>
         </a:spcBef>
         <a:buFont typeface="Arial" panose="020B0604020202020204" pitchFamily="34" charset="0"/>
         <a:buChar char="•"/>
-        <a:defRPr sz="2400" kern="1200">
+        <a:defRPr sz="2300" kern="1200">
           <a:solidFill>
             <a:schemeClr val="tx1"/>
           </a:solidFill>
@@ -2888,13 +2888,13 @@
           <a:cs typeface="+mn-cs"/>
         </a:defRPr>
       </a:lvl3pPr>
-      <a:lvl4pPr marL="1600200" indent="-228600" algn="l" defTabSz="914400" rtl="0" eaLnBrk="1" latinLnBrk="0" hangingPunct="1">
+      <a:lvl4pPr marL="1512829" indent="-216118" algn="l" defTabSz="864474" rtl="0" eaLnBrk="1" latinLnBrk="0" hangingPunct="1">
         <a:spcBef>
           <a:spcPct val="20000"/>
         </a:spcBef>
         <a:buFont typeface="Arial" panose="020B0604020202020204" pitchFamily="34" charset="0"/>
         <a:buChar char="–"/>
-        <a:defRPr sz="2000" kern="1200">
+        <a:defRPr sz="1900" kern="1200">
           <a:solidFill>
             <a:schemeClr val="tx1"/>
           </a:solidFill>
@@ -2903,13 +2903,13 @@
           <a:cs typeface="+mn-cs"/>
         </a:defRPr>
       </a:lvl4pPr>
-      <a:lvl5pPr marL="2057400" indent="-228600" algn="l" defTabSz="914400" rtl="0" eaLnBrk="1" latinLnBrk="0" hangingPunct="1">
+      <a:lvl5pPr marL="1945066" indent="-216118" algn="l" defTabSz="864474" rtl="0" eaLnBrk="1" latinLnBrk="0" hangingPunct="1">
         <a:spcBef>
           <a:spcPct val="20000"/>
         </a:spcBef>
         <a:buFont typeface="Arial" panose="020B0604020202020204" pitchFamily="34" charset="0"/>
         <a:buChar char="»"/>
-        <a:defRPr sz="2000" kern="1200">
+        <a:defRPr sz="1900" kern="1200">
           <a:solidFill>
             <a:schemeClr val="tx1"/>
           </a:solidFill>
@@ -2918,13 +2918,13 @@
           <a:cs typeface="+mn-cs"/>
         </a:defRPr>
       </a:lvl5pPr>
-      <a:lvl6pPr marL="2514600" indent="-228600" algn="l" defTabSz="914400" rtl="0" eaLnBrk="1" latinLnBrk="0" hangingPunct="1">
+      <a:lvl6pPr marL="2377303" indent="-216118" algn="l" defTabSz="864474" rtl="0" eaLnBrk="1" latinLnBrk="0" hangingPunct="1">
         <a:spcBef>
           <a:spcPct val="20000"/>
         </a:spcBef>
         <a:buFont typeface="Arial" panose="020B0604020202020204" pitchFamily="34" charset="0"/>
         <a:buChar char="•"/>
-        <a:defRPr sz="2000" kern="1200">
+        <a:defRPr sz="1900" kern="1200">
           <a:solidFill>
             <a:schemeClr val="tx1"/>
           </a:solidFill>
@@ -2933,13 +2933,13 @@
           <a:cs typeface="+mn-cs"/>
         </a:defRPr>
       </a:lvl6pPr>
-      <a:lvl7pPr marL="2971800" indent="-228600" algn="l" defTabSz="914400" rtl="0" eaLnBrk="1" latinLnBrk="0" hangingPunct="1">
+      <a:lvl7pPr marL="2809540" indent="-216118" algn="l" defTabSz="864474" rtl="0" eaLnBrk="1" latinLnBrk="0" hangingPunct="1">
         <a:spcBef>
           <a:spcPct val="20000"/>
         </a:spcBef>
         <a:buFont typeface="Arial" panose="020B0604020202020204" pitchFamily="34" charset="0"/>
         <a:buChar char="•"/>
-        <a:defRPr sz="2000" kern="1200">
+        <a:defRPr sz="1900" kern="1200">
           <a:solidFill>
             <a:schemeClr val="tx1"/>
           </a:solidFill>
@@ -2948,13 +2948,13 @@
           <a:cs typeface="+mn-cs"/>
         </a:defRPr>
       </a:lvl7pPr>
-      <a:lvl8pPr marL="3429000" indent="-228600" algn="l" defTabSz="914400" rtl="0" eaLnBrk="1" latinLnBrk="0" hangingPunct="1">
+      <a:lvl8pPr marL="3241777" indent="-216118" algn="l" defTabSz="864474" rtl="0" eaLnBrk="1" latinLnBrk="0" hangingPunct="1">
         <a:spcBef>
           <a:spcPct val="20000"/>
         </a:spcBef>
         <a:buFont typeface="Arial" panose="020B0604020202020204" pitchFamily="34" charset="0"/>
         <a:buChar char="•"/>
-        <a:defRPr sz="2000" kern="1200">
+        <a:defRPr sz="1900" kern="1200">
           <a:solidFill>
             <a:schemeClr val="tx1"/>
           </a:solidFill>
@@ -2963,13 +2963,13 @@
           <a:cs typeface="+mn-cs"/>
         </a:defRPr>
       </a:lvl8pPr>
-      <a:lvl9pPr marL="3886200" indent="-228600" algn="l" defTabSz="914400" rtl="0" eaLnBrk="1" latinLnBrk="0" hangingPunct="1">
+      <a:lvl9pPr marL="3674013" indent="-216118" algn="l" defTabSz="864474" rtl="0" eaLnBrk="1" latinLnBrk="0" hangingPunct="1">
         <a:spcBef>
           <a:spcPct val="20000"/>
         </a:spcBef>
         <a:buFont typeface="Arial" panose="020B0604020202020204" pitchFamily="34" charset="0"/>
         <a:buChar char="•"/>
-        <a:defRPr sz="2000" kern="1200">
+        <a:defRPr sz="1900" kern="1200">
           <a:solidFill>
             <a:schemeClr val="tx1"/>
           </a:solidFill>
@@ -2983,8 +2983,8 @@
       <a:defPPr>
         <a:defRPr lang="en-US"/>
       </a:defPPr>
-      <a:lvl1pPr marL="0" algn="l" defTabSz="914400" rtl="0" eaLnBrk="1" latinLnBrk="0" hangingPunct="1">
-        <a:defRPr sz="1800" kern="1200">
+      <a:lvl1pPr marL="0" algn="l" defTabSz="864474" rtl="0" eaLnBrk="1" latinLnBrk="0" hangingPunct="1">
+        <a:defRPr sz="1700" kern="1200">
           <a:solidFill>
             <a:schemeClr val="tx1"/>
           </a:solidFill>
@@ -2993,8 +2993,8 @@
           <a:cs typeface="+mn-cs"/>
         </a:defRPr>
       </a:lvl1pPr>
-      <a:lvl2pPr marL="457200" algn="l" defTabSz="914400" rtl="0" eaLnBrk="1" latinLnBrk="0" hangingPunct="1">
-        <a:defRPr sz="1800" kern="1200">
+      <a:lvl2pPr marL="432237" algn="l" defTabSz="864474" rtl="0" eaLnBrk="1" latinLnBrk="0" hangingPunct="1">
+        <a:defRPr sz="1700" kern="1200">
           <a:solidFill>
             <a:schemeClr val="tx1"/>
           </a:solidFill>
@@ -3003,8 +3003,8 @@
           <a:cs typeface="+mn-cs"/>
         </a:defRPr>
       </a:lvl2pPr>
-      <a:lvl3pPr marL="914400" algn="l" defTabSz="914400" rtl="0" eaLnBrk="1" latinLnBrk="0" hangingPunct="1">
-        <a:defRPr sz="1800" kern="1200">
+      <a:lvl3pPr marL="864474" algn="l" defTabSz="864474" rtl="0" eaLnBrk="1" latinLnBrk="0" hangingPunct="1">
+        <a:defRPr sz="1700" kern="1200">
           <a:solidFill>
             <a:schemeClr val="tx1"/>
           </a:solidFill>
@@ -3013,8 +3013,8 @@
           <a:cs typeface="+mn-cs"/>
         </a:defRPr>
       </a:lvl3pPr>
-      <a:lvl4pPr marL="1371600" algn="l" defTabSz="914400" rtl="0" eaLnBrk="1" latinLnBrk="0" hangingPunct="1">
-        <a:defRPr sz="1800" kern="1200">
+      <a:lvl4pPr marL="1296711" algn="l" defTabSz="864474" rtl="0" eaLnBrk="1" latinLnBrk="0" hangingPunct="1">
+        <a:defRPr sz="1700" kern="1200">
           <a:solidFill>
             <a:schemeClr val="tx1"/>
           </a:solidFill>
@@ -3023,8 +3023,8 @@
           <a:cs typeface="+mn-cs"/>
         </a:defRPr>
       </a:lvl4pPr>
-      <a:lvl5pPr marL="1828800" algn="l" defTabSz="914400" rtl="0" eaLnBrk="1" latinLnBrk="0" hangingPunct="1">
-        <a:defRPr sz="1800" kern="1200">
+      <a:lvl5pPr marL="1728948" algn="l" defTabSz="864474" rtl="0" eaLnBrk="1" latinLnBrk="0" hangingPunct="1">
+        <a:defRPr sz="1700" kern="1200">
           <a:solidFill>
             <a:schemeClr val="tx1"/>
           </a:solidFill>
@@ -3033,8 +3033,8 @@
           <a:cs typeface="+mn-cs"/>
         </a:defRPr>
       </a:lvl5pPr>
-      <a:lvl6pPr marL="2286000" algn="l" defTabSz="914400" rtl="0" eaLnBrk="1" latinLnBrk="0" hangingPunct="1">
-        <a:defRPr sz="1800" kern="1200">
+      <a:lvl6pPr marL="2161184" algn="l" defTabSz="864474" rtl="0" eaLnBrk="1" latinLnBrk="0" hangingPunct="1">
+        <a:defRPr sz="1700" kern="1200">
           <a:solidFill>
             <a:schemeClr val="tx1"/>
           </a:solidFill>
@@ -3043,8 +3043,8 @@
           <a:cs typeface="+mn-cs"/>
         </a:defRPr>
       </a:lvl6pPr>
-      <a:lvl7pPr marL="2743200" algn="l" defTabSz="914400" rtl="0" eaLnBrk="1" latinLnBrk="0" hangingPunct="1">
-        <a:defRPr sz="1800" kern="1200">
+      <a:lvl7pPr marL="2593421" algn="l" defTabSz="864474" rtl="0" eaLnBrk="1" latinLnBrk="0" hangingPunct="1">
+        <a:defRPr sz="1700" kern="1200">
           <a:solidFill>
             <a:schemeClr val="tx1"/>
           </a:solidFill>
@@ -3053,8 +3053,8 @@
           <a:cs typeface="+mn-cs"/>
         </a:defRPr>
       </a:lvl7pPr>
-      <a:lvl8pPr marL="3200400" algn="l" defTabSz="914400" rtl="0" eaLnBrk="1" latinLnBrk="0" hangingPunct="1">
-        <a:defRPr sz="1800" kern="1200">
+      <a:lvl8pPr marL="3025658" algn="l" defTabSz="864474" rtl="0" eaLnBrk="1" latinLnBrk="0" hangingPunct="1">
+        <a:defRPr sz="1700" kern="1200">
           <a:solidFill>
             <a:schemeClr val="tx1"/>
           </a:solidFill>
@@ -3063,8 +3063,8 @@
           <a:cs typeface="+mn-cs"/>
         </a:defRPr>
       </a:lvl8pPr>
-      <a:lvl9pPr marL="3657600" algn="l" defTabSz="914400" rtl="0" eaLnBrk="1" latinLnBrk="0" hangingPunct="1">
-        <a:defRPr sz="1800" kern="1200">
+      <a:lvl9pPr marL="3457895" algn="l" defTabSz="864474" rtl="0" eaLnBrk="1" latinLnBrk="0" hangingPunct="1">
+        <a:defRPr sz="1700" kern="1200">
           <a:solidFill>
             <a:schemeClr val="tx1"/>
           </a:solidFill>
@@ -3097,7 +3097,7 @@
       </p:grpSpPr>
       <p:grpSp>
         <p:nvGrpSpPr>
-          <p:cNvPr id="436" name="Group 435"/>
+          <p:cNvPr id="355" name="Group 354"/>
           <p:cNvGrpSpPr>
             <a:grpSpLocks noChangeAspect="1"/>
           </p:cNvGrpSpPr>
@@ -3105,8 +3105,8 @@
         </p:nvGrpSpPr>
         <p:grpSpPr>
           <a:xfrm>
-            <a:off x="265355" y="1092600"/>
-            <a:ext cx="2270335" cy="363014"/>
+            <a:off x="265355" y="1372065"/>
+            <a:ext cx="3405503" cy="544521"/>
             <a:chOff x="895426" y="857690"/>
             <a:chExt cx="4540670" cy="726027"/>
           </a:xfrm>
@@ -3119,7 +3119,7 @@
         </p:grpSpPr>
         <p:sp>
           <p:nvSpPr>
-            <p:cNvPr id="437" name="Rectangle 436"/>
+            <p:cNvPr id="356" name="Rectangle 355"/>
             <p:cNvSpPr/>
             <p:nvPr/>
           </p:nvSpPr>
@@ -3163,7 +3163,7 @@
         </p:sp>
         <p:sp>
           <p:nvSpPr>
-            <p:cNvPr id="438" name="Rectangle 437"/>
+            <p:cNvPr id="357" name="Rectangle 356"/>
             <p:cNvSpPr/>
             <p:nvPr/>
           </p:nvSpPr>
@@ -3207,7 +3207,7 @@
         </p:sp>
         <p:sp>
           <p:nvSpPr>
-            <p:cNvPr id="439" name="Rectangle 438"/>
+            <p:cNvPr id="358" name="Rectangle 357"/>
             <p:cNvSpPr/>
             <p:nvPr/>
           </p:nvSpPr>
@@ -3251,7 +3251,7 @@
         </p:sp>
         <p:sp>
           <p:nvSpPr>
-            <p:cNvPr id="440" name="Rectangle 439"/>
+            <p:cNvPr id="359" name="Rectangle 358"/>
             <p:cNvSpPr/>
             <p:nvPr/>
           </p:nvSpPr>
@@ -3295,7 +3295,7 @@
         </p:sp>
         <p:sp>
           <p:nvSpPr>
-            <p:cNvPr id="441" name="Rectangle 440"/>
+            <p:cNvPr id="360" name="Rectangle 359"/>
             <p:cNvSpPr/>
             <p:nvPr/>
           </p:nvSpPr>
@@ -3339,7 +3339,7 @@
         </p:sp>
         <p:sp>
           <p:nvSpPr>
-            <p:cNvPr id="442" name="Rectangle 441"/>
+            <p:cNvPr id="361" name="Rectangle 360"/>
             <p:cNvSpPr/>
             <p:nvPr/>
           </p:nvSpPr>
@@ -3384,7 +3384,7 @@
       </p:grpSp>
       <p:sp>
         <p:nvSpPr>
-          <p:cNvPr id="443" name="Rectangle 442"/>
+          <p:cNvPr id="362" name="Rectangle 361"/>
           <p:cNvSpPr>
             <a:spLocks noChangeAspect="1"/>
           </p:cNvSpPr>
@@ -3393,7 +3393,7 @@
         <p:spPr>
           <a:xfrm>
             <a:off x="267438" y="835945"/>
-            <a:ext cx="2304256" cy="172418"/>
+            <a:ext cx="3456384" cy="258627"/>
           </a:xfrm>
           <a:prstGeom prst="rect">
             <a:avLst/>
@@ -3434,7 +3434,7 @@
       </p:sp>
       <p:grpSp>
         <p:nvGrpSpPr>
-          <p:cNvPr id="444" name="Group 443"/>
+          <p:cNvPr id="363" name="Group 362"/>
           <p:cNvGrpSpPr>
             <a:grpSpLocks noChangeAspect="1"/>
           </p:cNvGrpSpPr>
@@ -3442,8 +3442,8 @@
         </p:nvGrpSpPr>
         <p:grpSpPr>
           <a:xfrm>
-            <a:off x="3420467" y="942896"/>
-            <a:ext cx="2268252" cy="368952"/>
+            <a:off x="5814572" y="1317005"/>
+            <a:ext cx="3402378" cy="553428"/>
             <a:chOff x="899592" y="845814"/>
             <a:chExt cx="4536504" cy="737903"/>
           </a:xfrm>
@@ -3455,7 +3455,7 @@
         </p:grpSpPr>
         <p:sp>
           <p:nvSpPr>
-            <p:cNvPr id="445" name="Rectangle 444"/>
+            <p:cNvPr id="364" name="Rectangle 363"/>
             <p:cNvSpPr/>
             <p:nvPr/>
           </p:nvSpPr>
@@ -3499,7 +3499,7 @@
         </p:sp>
         <p:sp>
           <p:nvSpPr>
-            <p:cNvPr id="446" name="Rectangle 445"/>
+            <p:cNvPr id="365" name="Rectangle 364"/>
             <p:cNvSpPr/>
             <p:nvPr/>
           </p:nvSpPr>
@@ -3543,7 +3543,7 @@
         </p:sp>
         <p:sp>
           <p:nvSpPr>
-            <p:cNvPr id="447" name="Rectangle 446"/>
+            <p:cNvPr id="366" name="Rectangle 365"/>
             <p:cNvSpPr/>
             <p:nvPr/>
           </p:nvSpPr>
@@ -3587,7 +3587,7 @@
         </p:sp>
         <p:sp>
           <p:nvSpPr>
-            <p:cNvPr id="448" name="Rectangle 447"/>
+            <p:cNvPr id="367" name="Rectangle 366"/>
             <p:cNvSpPr/>
             <p:nvPr/>
           </p:nvSpPr>
@@ -3631,7 +3631,7 @@
         </p:sp>
         <p:sp>
           <p:nvSpPr>
-            <p:cNvPr id="449" name="Rectangle 448"/>
+            <p:cNvPr id="368" name="Rectangle 367"/>
             <p:cNvSpPr/>
             <p:nvPr/>
           </p:nvSpPr>
@@ -3675,7 +3675,7 @@
         </p:sp>
         <p:sp>
           <p:nvSpPr>
-            <p:cNvPr id="450" name="Rectangle 449"/>
+            <p:cNvPr id="369" name="Rectangle 368"/>
             <p:cNvSpPr/>
             <p:nvPr/>
           </p:nvSpPr>
@@ -3720,21 +3720,23 @@
       </p:grpSp>
       <p:grpSp>
         <p:nvGrpSpPr>
-          <p:cNvPr id="451" name="Group 450"/>
-          <p:cNvGrpSpPr/>
+          <p:cNvPr id="370" name="Group 369"/>
+          <p:cNvGrpSpPr>
+            <a:grpSpLocks noChangeAspect="1"/>
+          </p:cNvGrpSpPr>
           <p:nvPr/>
         </p:nvGrpSpPr>
         <p:grpSpPr>
           <a:xfrm>
-            <a:off x="6501573" y="1014904"/>
-            <a:ext cx="2272629" cy="420132"/>
+            <a:off x="5957843" y="4060935"/>
+            <a:ext cx="3408944" cy="630198"/>
             <a:chOff x="5652643" y="1584719"/>
             <a:chExt cx="2272629" cy="420132"/>
           </a:xfrm>
         </p:grpSpPr>
         <p:sp>
           <p:nvSpPr>
-            <p:cNvPr id="452" name="Rectangle 451"/>
+            <p:cNvPr id="371" name="Rectangle 370"/>
             <p:cNvSpPr/>
             <p:nvPr/>
           </p:nvSpPr>
@@ -3783,7 +3785,7 @@
         </p:sp>
         <p:sp>
           <p:nvSpPr>
-            <p:cNvPr id="453" name="Rectangle 452"/>
+            <p:cNvPr id="372" name="Rectangle 371"/>
             <p:cNvSpPr/>
             <p:nvPr/>
           </p:nvSpPr>
@@ -3832,7 +3834,7 @@
         </p:sp>
         <p:sp>
           <p:nvSpPr>
-            <p:cNvPr id="454" name="Rectangle 453"/>
+            <p:cNvPr id="373" name="Rectangle 372"/>
             <p:cNvSpPr/>
             <p:nvPr/>
           </p:nvSpPr>
@@ -3881,7 +3883,7 @@
         </p:sp>
         <p:sp>
           <p:nvSpPr>
-            <p:cNvPr id="455" name="Rectangle 454"/>
+            <p:cNvPr id="374" name="Rectangle 373"/>
             <p:cNvSpPr/>
             <p:nvPr/>
           </p:nvSpPr>
@@ -3930,7 +3932,7 @@
         </p:sp>
         <p:sp>
           <p:nvSpPr>
-            <p:cNvPr id="456" name="Rectangle 455"/>
+            <p:cNvPr id="375" name="Rectangle 374"/>
             <p:cNvSpPr/>
             <p:nvPr/>
           </p:nvSpPr>
@@ -3979,7 +3981,7 @@
         </p:sp>
         <p:sp>
           <p:nvSpPr>
-            <p:cNvPr id="457" name="Rectangle 456"/>
+            <p:cNvPr id="376" name="Rectangle 375"/>
             <p:cNvSpPr/>
             <p:nvPr/>
           </p:nvSpPr>
@@ -4028,7 +4030,7 @@
         </p:sp>
         <p:grpSp>
           <p:nvGrpSpPr>
-            <p:cNvPr id="458" name="Group 457"/>
+            <p:cNvPr id="377" name="Group 376"/>
             <p:cNvGrpSpPr>
               <a:grpSpLocks noChangeAspect="1"/>
             </p:cNvGrpSpPr>
@@ -4049,7 +4051,7 @@
           </p:grpSpPr>
           <p:sp>
             <p:nvSpPr>
-              <p:cNvPr id="459" name="Rectangle 458"/>
+              <p:cNvPr id="378" name="Rectangle 377"/>
               <p:cNvSpPr/>
               <p:nvPr/>
             </p:nvSpPr>
@@ -4093,7 +4095,7 @@
           </p:sp>
           <p:sp>
             <p:nvSpPr>
-              <p:cNvPr id="460" name="Rectangle 459"/>
+              <p:cNvPr id="379" name="Rectangle 378"/>
               <p:cNvSpPr/>
               <p:nvPr/>
             </p:nvSpPr>
@@ -4137,7 +4139,7 @@
           </p:sp>
           <p:sp>
             <p:nvSpPr>
-              <p:cNvPr id="461" name="Rectangle 460"/>
+              <p:cNvPr id="380" name="Rectangle 379"/>
               <p:cNvSpPr/>
               <p:nvPr/>
             </p:nvSpPr>
@@ -4181,7 +4183,7 @@
           </p:sp>
           <p:sp>
             <p:nvSpPr>
-              <p:cNvPr id="462" name="Rectangle 461"/>
+              <p:cNvPr id="381" name="Rectangle 380"/>
               <p:cNvSpPr/>
               <p:nvPr/>
             </p:nvSpPr>
@@ -4225,7 +4227,7 @@
           </p:sp>
           <p:sp>
             <p:nvSpPr>
-              <p:cNvPr id="463" name="Rectangle 462"/>
+              <p:cNvPr id="382" name="Rectangle 381"/>
               <p:cNvSpPr/>
               <p:nvPr/>
             </p:nvSpPr>
@@ -4269,7 +4271,7 @@
           </p:sp>
           <p:sp>
             <p:nvSpPr>
-              <p:cNvPr id="464" name="Rectangle 463"/>
+              <p:cNvPr id="383" name="Rectangle 382"/>
               <p:cNvSpPr/>
               <p:nvPr/>
             </p:nvSpPr>
@@ -4315,21 +4317,23 @@
       </p:grpSp>
       <p:grpSp>
         <p:nvGrpSpPr>
-          <p:cNvPr id="465" name="Group 464"/>
-          <p:cNvGrpSpPr/>
+          <p:cNvPr id="384" name="Group 383"/>
+          <p:cNvGrpSpPr>
+            <a:grpSpLocks noChangeAspect="1"/>
+          </p:cNvGrpSpPr>
           <p:nvPr/>
         </p:nvGrpSpPr>
         <p:grpSpPr>
           <a:xfrm>
-            <a:off x="9541147" y="838744"/>
-            <a:ext cx="2269812" cy="455615"/>
+            <a:off x="404148" y="4043757"/>
+            <a:ext cx="3404718" cy="683423"/>
             <a:chOff x="5761725" y="517060"/>
             <a:chExt cx="2269812" cy="455615"/>
           </a:xfrm>
         </p:grpSpPr>
         <p:sp>
           <p:nvSpPr>
-            <p:cNvPr id="466" name="Rectangle 465"/>
+            <p:cNvPr id="385" name="Rectangle 384"/>
             <p:cNvSpPr/>
             <p:nvPr/>
           </p:nvSpPr>
@@ -4375,7 +4379,7 @@
         </p:sp>
         <p:sp>
           <p:nvSpPr>
-            <p:cNvPr id="467" name="Rectangle 466"/>
+            <p:cNvPr id="386" name="Rectangle 385"/>
             <p:cNvSpPr/>
             <p:nvPr/>
           </p:nvSpPr>
@@ -4421,7 +4425,7 @@
         </p:sp>
         <p:sp>
           <p:nvSpPr>
-            <p:cNvPr id="468" name="Rectangle 467"/>
+            <p:cNvPr id="387" name="Rectangle 386"/>
             <p:cNvSpPr/>
             <p:nvPr/>
           </p:nvSpPr>
@@ -4467,7 +4471,7 @@
         </p:sp>
         <p:sp>
           <p:nvSpPr>
-            <p:cNvPr id="469" name="Rectangle 468"/>
+            <p:cNvPr id="388" name="Rectangle 387"/>
             <p:cNvSpPr/>
             <p:nvPr/>
           </p:nvSpPr>
@@ -4513,7 +4517,7 @@
         </p:sp>
         <p:sp>
           <p:nvSpPr>
-            <p:cNvPr id="470" name="Rectangle 469"/>
+            <p:cNvPr id="389" name="Rectangle 388"/>
             <p:cNvSpPr/>
             <p:nvPr/>
           </p:nvSpPr>
@@ -4559,7 +4563,7 @@
         </p:sp>
         <p:sp>
           <p:nvSpPr>
-            <p:cNvPr id="471" name="Rectangle 470"/>
+            <p:cNvPr id="390" name="Rectangle 389"/>
             <p:cNvSpPr/>
             <p:nvPr/>
           </p:nvSpPr>
@@ -4605,7 +4609,7 @@
         </p:sp>
         <p:grpSp>
           <p:nvGrpSpPr>
-            <p:cNvPr id="472" name="Group 471"/>
+            <p:cNvPr id="391" name="Group 390"/>
             <p:cNvGrpSpPr/>
             <p:nvPr/>
           </p:nvGrpSpPr>
@@ -4619,7 +4623,7 @@
           </p:grpSpPr>
           <p:sp>
             <p:nvSpPr>
-              <p:cNvPr id="473" name="Rectangle 472"/>
+              <p:cNvPr id="392" name="Rectangle 391"/>
               <p:cNvSpPr/>
               <p:nvPr/>
             </p:nvSpPr>
@@ -4668,7 +4672,7 @@
           </p:sp>
           <p:sp>
             <p:nvSpPr>
-              <p:cNvPr id="474" name="Rectangle 473"/>
+              <p:cNvPr id="393" name="Rectangle 392"/>
               <p:cNvSpPr/>
               <p:nvPr/>
             </p:nvSpPr>
@@ -4717,7 +4721,7 @@
           </p:sp>
           <p:sp>
             <p:nvSpPr>
-              <p:cNvPr id="475" name="Rectangle 474"/>
+              <p:cNvPr id="394" name="Rectangle 393"/>
               <p:cNvSpPr/>
               <p:nvPr/>
             </p:nvSpPr>
@@ -4766,7 +4770,7 @@
           </p:sp>
           <p:sp>
             <p:nvSpPr>
-              <p:cNvPr id="476" name="Rectangle 475"/>
+              <p:cNvPr id="395" name="Rectangle 394"/>
               <p:cNvSpPr/>
               <p:nvPr/>
             </p:nvSpPr>
@@ -4815,7 +4819,7 @@
           </p:sp>
           <p:sp>
             <p:nvSpPr>
-              <p:cNvPr id="477" name="Rectangle 476"/>
+              <p:cNvPr id="396" name="Rectangle 395"/>
               <p:cNvSpPr/>
               <p:nvPr/>
             </p:nvSpPr>
@@ -4864,7 +4868,7 @@
           </p:sp>
           <p:sp>
             <p:nvSpPr>
-              <p:cNvPr id="478" name="Rectangle 477"/>
+              <p:cNvPr id="397" name="Rectangle 396"/>
               <p:cNvSpPr/>
               <p:nvPr/>
             </p:nvSpPr>
@@ -4913,7 +4917,7 @@
           </p:sp>
           <p:grpSp>
             <p:nvGrpSpPr>
-              <p:cNvPr id="479" name="Group 478"/>
+              <p:cNvPr id="398" name="Group 397"/>
               <p:cNvGrpSpPr>
                 <a:grpSpLocks noChangeAspect="1"/>
               </p:cNvGrpSpPr>
@@ -4934,7 +4938,7 @@
             </p:grpSpPr>
             <p:sp>
               <p:nvSpPr>
-                <p:cNvPr id="480" name="Rectangle 479"/>
+                <p:cNvPr id="399" name="Rectangle 398"/>
                 <p:cNvSpPr/>
                 <p:nvPr/>
               </p:nvSpPr>
@@ -4978,7 +4982,7 @@
             </p:sp>
             <p:sp>
               <p:nvSpPr>
-                <p:cNvPr id="481" name="Rectangle 480"/>
+                <p:cNvPr id="400" name="Rectangle 399"/>
                 <p:cNvSpPr/>
                 <p:nvPr/>
               </p:nvSpPr>
@@ -5022,7 +5026,7 @@
             </p:sp>
             <p:sp>
               <p:nvSpPr>
-                <p:cNvPr id="482" name="Rectangle 481"/>
+                <p:cNvPr id="401" name="Rectangle 400"/>
                 <p:cNvSpPr/>
                 <p:nvPr/>
               </p:nvSpPr>
@@ -5066,7 +5070,7 @@
             </p:sp>
             <p:sp>
               <p:nvSpPr>
-                <p:cNvPr id="483" name="Rectangle 482"/>
+                <p:cNvPr id="402" name="Rectangle 401"/>
                 <p:cNvSpPr/>
                 <p:nvPr/>
               </p:nvSpPr>
@@ -5110,7 +5114,7 @@
             </p:sp>
             <p:sp>
               <p:nvSpPr>
-                <p:cNvPr id="484" name="Rectangle 483"/>
+                <p:cNvPr id="403" name="Rectangle 402"/>
                 <p:cNvSpPr/>
                 <p:nvPr/>
               </p:nvSpPr>
@@ -5154,7 +5158,7 @@
             </p:sp>
             <p:sp>
               <p:nvSpPr>
-                <p:cNvPr id="485" name="Rectangle 484"/>
+                <p:cNvPr id="404" name="Rectangle 403"/>
                 <p:cNvSpPr/>
                 <p:nvPr/>
               </p:nvSpPr>
@@ -5201,14 +5205,16 @@
       </p:grpSp>
       <p:sp>
         <p:nvSpPr>
-          <p:cNvPr id="486" name="Down Arrow 485"/>
-          <p:cNvSpPr/>
+          <p:cNvPr id="405" name="Down Arrow 404"/>
+          <p:cNvSpPr>
+            <a:spLocks noChangeAspect="1"/>
+          </p:cNvSpPr>
           <p:nvPr/>
         </p:nvSpPr>
         <p:spPr>
           <a:xfrm>
-            <a:off x="1275550" y="510848"/>
-            <a:ext cx="252028" cy="216024"/>
+            <a:off x="1728118" y="432247"/>
+            <a:ext cx="378042" cy="324036"/>
           </a:xfrm>
           <a:prstGeom prst="downArrow">
             <a:avLst/>
@@ -5247,14 +5253,16 @@
       </p:sp>
       <p:sp>
         <p:nvSpPr>
-          <p:cNvPr id="487" name="Down Arrow 486"/>
-          <p:cNvSpPr/>
+          <p:cNvPr id="406" name="Down Arrow 405"/>
+          <p:cNvSpPr>
+            <a:spLocks noChangeAspect="1"/>
+          </p:cNvSpPr>
           <p:nvPr/>
         </p:nvSpPr>
         <p:spPr>
           <a:xfrm flipV="1">
-            <a:off x="1275550" y="1590968"/>
-            <a:ext cx="252028" cy="216024"/>
+            <a:off x="1728118" y="2032451"/>
+            <a:ext cx="378042" cy="324036"/>
           </a:xfrm>
           <a:prstGeom prst="downArrow">
             <a:avLst/>
@@ -5293,14 +5301,16 @@
       </p:sp>
       <p:sp>
         <p:nvSpPr>
-          <p:cNvPr id="488" name="TextBox 487"/>
-          <p:cNvSpPr txBox="1"/>
+          <p:cNvPr id="407" name="TextBox 406"/>
+          <p:cNvSpPr txBox="1">
+            <a:spLocks noChangeAspect="1"/>
+          </p:cNvSpPr>
           <p:nvPr/>
         </p:nvSpPr>
         <p:spPr>
           <a:xfrm>
-            <a:off x="471265" y="15736"/>
-            <a:ext cx="2105369" cy="430887"/>
+            <a:off x="1180163" y="199"/>
+            <a:ext cx="3158054" cy="646331"/>
           </a:xfrm>
           <a:prstGeom prst="rect">
             <a:avLst/>
@@ -5323,14 +5333,16 @@
       </p:sp>
       <p:sp>
         <p:nvSpPr>
-          <p:cNvPr id="489" name="TextBox 488"/>
-          <p:cNvSpPr txBox="1"/>
+          <p:cNvPr id="408" name="TextBox 407"/>
+          <p:cNvSpPr txBox="1">
+            <a:spLocks noChangeAspect="1"/>
+          </p:cNvSpPr>
           <p:nvPr/>
         </p:nvSpPr>
         <p:spPr>
           <a:xfrm>
-            <a:off x="2337668" y="321826"/>
-            <a:ext cx="1154807" cy="477054"/>
+            <a:off x="3605322" y="321826"/>
+            <a:ext cx="1147132" cy="473883"/>
           </a:xfrm>
           <a:prstGeom prst="rect">
             <a:avLst/>
@@ -5353,14 +5365,16 @@
       </p:sp>
       <p:sp>
         <p:nvSpPr>
-          <p:cNvPr id="490" name="TextBox 489"/>
-          <p:cNvSpPr txBox="1"/>
+          <p:cNvPr id="409" name="TextBox 408"/>
+          <p:cNvSpPr txBox="1">
+            <a:spLocks noChangeAspect="1"/>
+          </p:cNvSpPr>
           <p:nvPr/>
         </p:nvSpPr>
         <p:spPr>
           <a:xfrm>
-            <a:off x="2555032" y="1309409"/>
-            <a:ext cx="577403" cy="477054"/>
+            <a:off x="3631254" y="1836678"/>
+            <a:ext cx="866105" cy="715581"/>
           </a:xfrm>
           <a:prstGeom prst="rect">
             <a:avLst/>
@@ -5383,14 +5397,16 @@
       </p:sp>
       <p:sp>
         <p:nvSpPr>
-          <p:cNvPr id="491" name="TextBox 490"/>
-          <p:cNvSpPr txBox="1"/>
+          <p:cNvPr id="410" name="TextBox 409"/>
+          <p:cNvSpPr txBox="1">
+            <a:spLocks noChangeAspect="1"/>
+          </p:cNvSpPr>
           <p:nvPr/>
         </p:nvSpPr>
         <p:spPr>
           <a:xfrm>
-            <a:off x="-81888" y="-96991"/>
-            <a:ext cx="622161" cy="553998"/>
+            <a:off x="-81889" y="-96991"/>
+            <a:ext cx="933242" cy="830997"/>
           </a:xfrm>
           <a:prstGeom prst="rect">
             <a:avLst/>
@@ -5413,14 +5429,16 @@
       </p:sp>
       <p:sp>
         <p:nvSpPr>
-          <p:cNvPr id="492" name="Down Arrow 491"/>
-          <p:cNvSpPr/>
+          <p:cNvPr id="411" name="Down Arrow 410"/>
+          <p:cNvSpPr>
+            <a:spLocks noChangeAspect="1"/>
+          </p:cNvSpPr>
           <p:nvPr/>
         </p:nvSpPr>
         <p:spPr>
           <a:xfrm rot="-2700000">
-            <a:off x="4070979" y="339492"/>
-            <a:ext cx="374839" cy="601901"/>
+            <a:off x="6544039" y="229155"/>
+            <a:ext cx="562259" cy="902852"/>
           </a:xfrm>
           <a:prstGeom prst="downArrow">
             <a:avLst/>
@@ -5462,14 +5480,16 @@
       </p:sp>
       <p:sp>
         <p:nvSpPr>
-          <p:cNvPr id="493" name="TextBox 492"/>
-          <p:cNvSpPr txBox="1"/>
+          <p:cNvPr id="412" name="TextBox 411"/>
+          <p:cNvSpPr txBox="1">
+            <a:spLocks noChangeAspect="1"/>
+          </p:cNvSpPr>
           <p:nvPr/>
         </p:nvSpPr>
         <p:spPr>
           <a:xfrm>
-            <a:off x="3312294" y="9193"/>
-            <a:ext cx="1479598" cy="430887"/>
+            <a:off x="5514847" y="65781"/>
+            <a:ext cx="2219397" cy="646331"/>
           </a:xfrm>
           <a:prstGeom prst="rect">
             <a:avLst/>
@@ -5492,14 +5512,16 @@
       </p:sp>
       <p:cxnSp>
         <p:nvCxnSpPr>
-          <p:cNvPr id="494" name="Straight Arrow Connector 493"/>
-          <p:cNvCxnSpPr/>
+          <p:cNvPr id="413" name="Straight Arrow Connector 412"/>
+          <p:cNvCxnSpPr>
+            <a:cxnSpLocks noChangeAspect="1"/>
+          </p:cNvCxnSpPr>
           <p:nvPr/>
         </p:nvCxnSpPr>
         <p:spPr>
           <a:xfrm>
-            <a:off x="2772395" y="1140269"/>
-            <a:ext cx="500853" cy="0"/>
+            <a:off x="4513969" y="1372065"/>
+            <a:ext cx="751280" cy="0"/>
           </a:xfrm>
           <a:prstGeom prst="straightConnector1">
             <a:avLst/>
@@ -5528,14 +5550,16 @@
       </p:cxnSp>
       <p:cxnSp>
         <p:nvCxnSpPr>
-          <p:cNvPr id="495" name="Straight Arrow Connector 494"/>
-          <p:cNvCxnSpPr/>
+          <p:cNvPr id="414" name="Straight Arrow Connector 413"/>
+          <p:cNvCxnSpPr>
+            <a:cxnSpLocks noChangeAspect="1"/>
+          </p:cNvCxnSpPr>
           <p:nvPr/>
         </p:nvCxnSpPr>
         <p:spPr>
-          <a:xfrm>
-            <a:off x="5901309" y="1116363"/>
-            <a:ext cx="500853" cy="0"/>
+          <a:xfrm flipH="1" flipV="1">
+            <a:off x="4513969" y="4251165"/>
+            <a:ext cx="751280" cy="0"/>
           </a:xfrm>
           <a:prstGeom prst="straightConnector1">
             <a:avLst/>
@@ -5564,14 +5588,16 @@
       </p:cxnSp>
       <p:sp>
         <p:nvSpPr>
-          <p:cNvPr id="496" name="TextBox 495"/>
-          <p:cNvSpPr txBox="1"/>
+          <p:cNvPr id="415" name="TextBox 414"/>
+          <p:cNvSpPr txBox="1">
+            <a:spLocks noChangeAspect="1"/>
+          </p:cNvSpPr>
           <p:nvPr/>
         </p:nvSpPr>
         <p:spPr>
           <a:xfrm>
-            <a:off x="8514687" y="303155"/>
-            <a:ext cx="988844" cy="477054"/>
+            <a:off x="8509146" y="3269210"/>
+            <a:ext cx="1080491" cy="477054"/>
           </a:xfrm>
           <a:prstGeom prst="rect">
             <a:avLst/>
@@ -5594,14 +5620,16 @@
       </p:sp>
       <p:cxnSp>
         <p:nvCxnSpPr>
-          <p:cNvPr id="497" name="Straight Arrow Connector 496"/>
-          <p:cNvCxnSpPr/>
+          <p:cNvPr id="416" name="Straight Arrow Connector 415"/>
+          <p:cNvCxnSpPr>
+            <a:cxnSpLocks noChangeAspect="1"/>
+          </p:cNvCxnSpPr>
           <p:nvPr/>
         </p:nvCxnSpPr>
         <p:spPr>
-          <a:xfrm>
-            <a:off x="8894330" y="1077601"/>
-            <a:ext cx="500853" cy="0"/>
+          <a:xfrm rot="5400000">
+            <a:off x="7225740" y="2408091"/>
+            <a:ext cx="751280" cy="0"/>
           </a:xfrm>
           <a:prstGeom prst="straightConnector1">
             <a:avLst/>
@@ -5630,14 +5658,16 @@
       </p:cxnSp>
       <p:sp>
         <p:nvSpPr>
-          <p:cNvPr id="498" name="TextBox 497"/>
-          <p:cNvSpPr txBox="1"/>
+          <p:cNvPr id="417" name="TextBox 416"/>
+          <p:cNvSpPr txBox="1">
+            <a:spLocks noChangeAspect="1"/>
+          </p:cNvSpPr>
           <p:nvPr/>
         </p:nvSpPr>
         <p:spPr>
           <a:xfrm>
-            <a:off x="10894317" y="278922"/>
-            <a:ext cx="1517070" cy="477054"/>
+            <a:off x="146798" y="3327480"/>
+            <a:ext cx="2275605" cy="715581"/>
           </a:xfrm>
           <a:prstGeom prst="rect">
             <a:avLst/>
@@ -5660,7 +5690,7 @@
       </p:sp>
       <p:sp>
         <p:nvSpPr>
-          <p:cNvPr id="499" name="Teardrop 498"/>
+          <p:cNvPr id="418" name="Teardrop 417"/>
           <p:cNvSpPr>
             <a:spLocks noChangeAspect="1"/>
           </p:cNvSpPr>
@@ -5668,8 +5698,8 @@
         </p:nvSpPr>
         <p:spPr>
           <a:xfrm rot="18792847">
-            <a:off x="7330743" y="404321"/>
-            <a:ext cx="504056" cy="470584"/>
+            <a:off x="7228777" y="3125092"/>
+            <a:ext cx="756084" cy="705876"/>
           </a:xfrm>
           <a:prstGeom prst="teardrop">
             <a:avLst/>
@@ -5708,14 +5738,16 @@
       </p:sp>
       <p:sp>
         <p:nvSpPr>
-          <p:cNvPr id="500" name="Curved Right Arrow 499"/>
-          <p:cNvSpPr/>
+          <p:cNvPr id="419" name="Curved Right Arrow 418"/>
+          <p:cNvSpPr>
+            <a:spLocks noChangeAspect="1"/>
+          </p:cNvSpPr>
           <p:nvPr/>
         </p:nvSpPr>
         <p:spPr>
           <a:xfrm>
-            <a:off x="6404459" y="578425"/>
-            <a:ext cx="252917" cy="360040"/>
+            <a:off x="5860729" y="3372081"/>
+            <a:ext cx="379376" cy="540060"/>
           </a:xfrm>
           <a:prstGeom prst="curvedRightArrow">
             <a:avLst/>
@@ -5758,14 +5790,16 @@
       </p:sp>
       <p:sp>
         <p:nvSpPr>
-          <p:cNvPr id="501" name="TextBox 500"/>
-          <p:cNvSpPr txBox="1"/>
+          <p:cNvPr id="420" name="TextBox 419"/>
+          <p:cNvSpPr txBox="1">
+            <a:spLocks noChangeAspect="1"/>
+          </p:cNvSpPr>
           <p:nvPr/>
         </p:nvSpPr>
         <p:spPr>
           <a:xfrm>
-            <a:off x="6333357" y="7953"/>
-            <a:ext cx="1479598" cy="430887"/>
+            <a:off x="5956542" y="2880519"/>
+            <a:ext cx="2219397" cy="646331"/>
           </a:xfrm>
           <a:prstGeom prst="rect">
             <a:avLst/>
@@ -5788,14 +5822,16 @@
       </p:sp>
       <p:cxnSp>
         <p:nvCxnSpPr>
-          <p:cNvPr id="502" name="Straight Connector 501"/>
-          <p:cNvCxnSpPr/>
+          <p:cNvPr id="421" name="Straight Connector 420"/>
+          <p:cNvCxnSpPr>
+            <a:cxnSpLocks noChangeAspect="1"/>
+          </p:cNvCxnSpPr>
           <p:nvPr/>
         </p:nvCxnSpPr>
         <p:spPr>
           <a:xfrm flipV="1">
-            <a:off x="2337668" y="695123"/>
-            <a:ext cx="97408" cy="175943"/>
+            <a:off x="3605321" y="869898"/>
+            <a:ext cx="96761" cy="89141"/>
           </a:xfrm>
           <a:prstGeom prst="line">
             <a:avLst/>
@@ -5823,14 +5859,16 @@
       </p:cxnSp>
       <p:cxnSp>
         <p:nvCxnSpPr>
-          <p:cNvPr id="503" name="Straight Connector 502"/>
-          <p:cNvCxnSpPr/>
+          <p:cNvPr id="422" name="Straight Connector 421"/>
+          <p:cNvCxnSpPr>
+            <a:cxnSpLocks noChangeAspect="1"/>
+          </p:cNvCxnSpPr>
           <p:nvPr/>
         </p:nvCxnSpPr>
         <p:spPr>
           <a:xfrm>
-            <a:off x="2518646" y="1464240"/>
-            <a:ext cx="108970" cy="83697"/>
+            <a:off x="3323410" y="1815724"/>
+            <a:ext cx="282168" cy="216727"/>
           </a:xfrm>
           <a:prstGeom prst="line">
             <a:avLst/>
@@ -5858,16 +5896,17 @@
       </p:cxnSp>
       <p:cxnSp>
         <p:nvCxnSpPr>
-          <p:cNvPr id="504" name="Straight Connector 503"/>
+          <p:cNvPr id="423" name="Straight Connector 422"/>
           <p:cNvCxnSpPr>
-            <a:stCxn id="455" idx="0"/>
+            <a:cxnSpLocks noChangeAspect="1"/>
+            <a:stCxn id="374" idx="0"/>
           </p:cNvCxnSpPr>
           <p:nvPr/>
         </p:nvCxnSpPr>
         <p:spPr>
-          <a:xfrm flipV="1">
-            <a:off x="8621202" y="726872"/>
-            <a:ext cx="133289" cy="288388"/>
+          <a:xfrm flipH="1" flipV="1">
+            <a:off x="9058480" y="3694875"/>
+            <a:ext cx="78807" cy="366594"/>
           </a:xfrm>
           <a:prstGeom prst="line">
             <a:avLst/>
@@ -5895,16 +5934,17 @@
       </p:cxnSp>
       <p:cxnSp>
         <p:nvCxnSpPr>
-          <p:cNvPr id="505" name="Straight Connector 504"/>
+          <p:cNvPr id="424" name="Straight Connector 423"/>
           <p:cNvCxnSpPr>
-            <a:stCxn id="466" idx="0"/>
+            <a:cxnSpLocks noChangeAspect="1"/>
+            <a:stCxn id="390" idx="0"/>
           </p:cNvCxnSpPr>
           <p:nvPr/>
         </p:nvCxnSpPr>
         <p:spPr>
           <a:xfrm flipV="1">
-            <a:off x="11641759" y="662651"/>
-            <a:ext cx="109830" cy="176093"/>
+            <a:off x="658707" y="3746264"/>
+            <a:ext cx="33324" cy="298632"/>
           </a:xfrm>
           <a:prstGeom prst="line">
             <a:avLst/>
@@ -5932,13 +5972,13 @@
       </p:cxnSp>
       <p:sp>
         <p:nvSpPr>
-          <p:cNvPr id="506" name="TextBox 505"/>
+          <p:cNvPr id="425" name="TextBox 424"/>
           <p:cNvSpPr txBox="1"/>
           <p:nvPr/>
         </p:nvSpPr>
         <p:spPr>
           <a:xfrm>
-            <a:off x="699216" y="3333467"/>
+            <a:off x="699216" y="6226546"/>
             <a:ext cx="1154807" cy="861774"/>
           </a:xfrm>
           <a:prstGeom prst="rect">
@@ -5963,13 +6003,13 @@
       </p:sp>
       <p:sp>
         <p:nvSpPr>
-          <p:cNvPr id="507" name="TextBox 506"/>
+          <p:cNvPr id="426" name="TextBox 425"/>
           <p:cNvSpPr txBox="1"/>
           <p:nvPr/>
         </p:nvSpPr>
         <p:spPr>
           <a:xfrm>
-            <a:off x="1356751" y="2350035"/>
+            <a:off x="1356751" y="5243114"/>
             <a:ext cx="1361291" cy="477054"/>
           </a:xfrm>
           <a:prstGeom prst="rect">
@@ -5993,13 +6033,13 @@
       </p:sp>
       <p:sp>
         <p:nvSpPr>
-          <p:cNvPr id="508" name="TextBox 507"/>
+          <p:cNvPr id="427" name="TextBox 426"/>
           <p:cNvSpPr txBox="1"/>
           <p:nvPr/>
         </p:nvSpPr>
         <p:spPr>
           <a:xfrm>
-            <a:off x="3971432" y="2421333"/>
+            <a:off x="3971432" y="5314412"/>
             <a:ext cx="1361291" cy="477054"/>
           </a:xfrm>
           <a:prstGeom prst="rect">
@@ -6023,13 +6063,13 @@
       </p:sp>
       <p:sp>
         <p:nvSpPr>
-          <p:cNvPr id="509" name="TextBox 508"/>
+          <p:cNvPr id="428" name="TextBox 427"/>
           <p:cNvSpPr txBox="1"/>
           <p:nvPr/>
         </p:nvSpPr>
         <p:spPr>
           <a:xfrm>
-            <a:off x="3528318" y="5347369"/>
+            <a:off x="3528318" y="8240448"/>
             <a:ext cx="1361291" cy="477054"/>
           </a:xfrm>
           <a:prstGeom prst="rect">
@@ -6053,7 +6093,7 @@
       </p:sp>
       <p:grpSp>
         <p:nvGrpSpPr>
-          <p:cNvPr id="510" name="Group 509"/>
+          <p:cNvPr id="429" name="Group 428"/>
           <p:cNvGrpSpPr>
             <a:grpSpLocks noChangeAspect="1"/>
           </p:cNvGrpSpPr>
@@ -6061,7 +6101,7 @@
         </p:nvGrpSpPr>
         <p:grpSpPr>
           <a:xfrm>
-            <a:off x="814672" y="2474348"/>
+            <a:off x="814672" y="5367427"/>
             <a:ext cx="4410000" cy="2880133"/>
             <a:chOff x="814672" y="2455297"/>
             <a:chExt cx="5512500" cy="3600166"/>
@@ -6069,7 +6109,7 @@
         </p:grpSpPr>
         <p:cxnSp>
           <p:nvCxnSpPr>
-            <p:cNvPr id="511" name="Straight Connector 510"/>
+            <p:cNvPr id="430" name="Straight Connector 429"/>
             <p:cNvCxnSpPr/>
             <p:nvPr/>
           </p:nvCxnSpPr>
@@ -6081,7 +6121,7 @@
             <a:prstGeom prst="line">
               <a:avLst/>
             </a:prstGeom>
-            <a:ln w="6350">
+            <a:ln w="12700">
               <a:solidFill>
                 <a:schemeClr val="bg1">
                   <a:lumMod val="50000"/>
@@ -6106,7 +6146,7 @@
         </p:cxnSp>
         <p:sp>
           <p:nvSpPr>
-            <p:cNvPr id="512" name="Rectangle 511"/>
+            <p:cNvPr id="431" name="Rectangle 430"/>
             <p:cNvSpPr/>
             <p:nvPr/>
           </p:nvSpPr>
@@ -6156,7 +6196,7 @@
         </p:sp>
         <p:cxnSp>
           <p:nvCxnSpPr>
-            <p:cNvPr id="513" name="Straight Connector 512"/>
+            <p:cNvPr id="432" name="Straight Connector 431"/>
             <p:cNvCxnSpPr/>
             <p:nvPr/>
           </p:nvCxnSpPr>
@@ -6194,7 +6234,7 @@
         </p:cxnSp>
         <p:sp>
           <p:nvSpPr>
-            <p:cNvPr id="514" name="Rectangle 513"/>
+            <p:cNvPr id="433" name="Rectangle 432"/>
             <p:cNvSpPr/>
             <p:nvPr/>
           </p:nvSpPr>
@@ -6243,7 +6283,7 @@
         </p:sp>
         <p:sp>
           <p:nvSpPr>
-            <p:cNvPr id="515" name="Rectangle 514"/>
+            <p:cNvPr id="434" name="Rectangle 433"/>
             <p:cNvSpPr/>
             <p:nvPr/>
           </p:nvSpPr>
@@ -6293,7 +6333,7 @@
         </p:sp>
         <p:cxnSp>
           <p:nvCxnSpPr>
-            <p:cNvPr id="516" name="Straight Connector 515"/>
+            <p:cNvPr id="435" name="Straight Connector 434"/>
             <p:cNvCxnSpPr/>
             <p:nvPr/>
           </p:nvCxnSpPr>
@@ -6305,7 +6345,7 @@
             <a:prstGeom prst="line">
               <a:avLst/>
             </a:prstGeom>
-            <a:ln w="6350">
+            <a:ln w="12700">
               <a:solidFill>
                 <a:schemeClr val="bg1">
                   <a:lumMod val="50000"/>
@@ -6330,7 +6370,7 @@
         </p:cxnSp>
         <p:cxnSp>
           <p:nvCxnSpPr>
-            <p:cNvPr id="517" name="Straight Connector 516"/>
+            <p:cNvPr id="550" name="Straight Connector 549"/>
             <p:cNvCxnSpPr/>
             <p:nvPr/>
           </p:nvCxnSpPr>
@@ -6369,7 +6409,7 @@
         </p:cxnSp>
         <p:sp>
           <p:nvSpPr>
-            <p:cNvPr id="518" name="Pie 167"/>
+            <p:cNvPr id="551" name="Pie 167"/>
             <p:cNvSpPr/>
             <p:nvPr/>
           </p:nvSpPr>
@@ -6529,7 +6569,7 @@
         </p:sp>
         <p:sp>
           <p:nvSpPr>
-            <p:cNvPr id="519" name="Pie 168"/>
+            <p:cNvPr id="552" name="Pie 168"/>
             <p:cNvSpPr/>
             <p:nvPr/>
           </p:nvSpPr>
@@ -6647,7 +6687,7 @@
         </p:sp>
         <p:sp>
           <p:nvSpPr>
-            <p:cNvPr id="520" name="Freeform 519"/>
+            <p:cNvPr id="553" name="Freeform 552"/>
             <p:cNvSpPr/>
             <p:nvPr/>
           </p:nvSpPr>
@@ -6694,7 +6734,7 @@
               </a:pathLst>
             </a:custGeom>
             <a:noFill/>
-            <a:ln w="6350">
+            <a:ln w="12700">
               <a:solidFill>
                 <a:schemeClr val="bg1">
                   <a:lumMod val="50000"/>
@@ -6729,7 +6769,7 @@
         </p:sp>
         <p:sp>
           <p:nvSpPr>
-            <p:cNvPr id="521" name="Freeform 520"/>
+            <p:cNvPr id="554" name="Freeform 553"/>
             <p:cNvSpPr/>
             <p:nvPr/>
           </p:nvSpPr>
@@ -6776,7 +6816,7 @@
               </a:pathLst>
             </a:custGeom>
             <a:noFill/>
-            <a:ln w="6350">
+            <a:ln w="12700">
               <a:solidFill>
                 <a:schemeClr val="bg1">
                   <a:lumMod val="50000"/>
@@ -6811,7 +6851,7 @@
         </p:sp>
         <p:sp>
           <p:nvSpPr>
-            <p:cNvPr id="522" name="Pie 177"/>
+            <p:cNvPr id="555" name="Pie 177"/>
             <p:cNvSpPr/>
             <p:nvPr/>
           </p:nvSpPr>
@@ -6916,7 +6956,7 @@
         </p:sp>
         <p:sp>
           <p:nvSpPr>
-            <p:cNvPr id="523" name="Pie 177"/>
+            <p:cNvPr id="556" name="Pie 177"/>
             <p:cNvSpPr/>
             <p:nvPr/>
           </p:nvSpPr>
@@ -7022,13 +7062,13 @@
       </p:grpSp>
       <p:sp>
         <p:nvSpPr>
-          <p:cNvPr id="524" name="TextBox 523"/>
+          <p:cNvPr id="557" name="TextBox 556"/>
           <p:cNvSpPr txBox="1"/>
           <p:nvPr/>
         </p:nvSpPr>
         <p:spPr>
           <a:xfrm rot="2700000">
-            <a:off x="3546123" y="3095409"/>
+            <a:off x="3546123" y="5988488"/>
             <a:ext cx="459999" cy="477054"/>
           </a:xfrm>
           <a:prstGeom prst="rect">
@@ -7052,13 +7092,13 @@
       </p:sp>
       <p:sp>
         <p:nvSpPr>
-          <p:cNvPr id="525" name="TextBox 524"/>
+          <p:cNvPr id="558" name="TextBox 557"/>
           <p:cNvSpPr txBox="1"/>
           <p:nvPr/>
         </p:nvSpPr>
         <p:spPr>
           <a:xfrm rot="2700000">
-            <a:off x="3790640" y="3331191"/>
+            <a:off x="3790640" y="6224270"/>
             <a:ext cx="459999" cy="477054"/>
           </a:xfrm>
           <a:prstGeom prst="rect">
@@ -7082,13 +7122,13 @@
       </p:sp>
       <p:sp>
         <p:nvSpPr>
-          <p:cNvPr id="526" name="TextBox 525"/>
+          <p:cNvPr id="559" name="TextBox 558"/>
           <p:cNvSpPr txBox="1"/>
           <p:nvPr/>
         </p:nvSpPr>
         <p:spPr>
           <a:xfrm>
-            <a:off x="-81888" y="2352164"/>
+            <a:off x="-81888" y="5245243"/>
             <a:ext cx="622161" cy="553998"/>
           </a:xfrm>
           <a:prstGeom prst="rect">
@@ -7112,13 +7152,13 @@
       </p:sp>
       <p:sp>
         <p:nvSpPr>
-          <p:cNvPr id="527" name="TextBox 526"/>
+          <p:cNvPr id="560" name="TextBox 559"/>
           <p:cNvSpPr txBox="1"/>
           <p:nvPr/>
         </p:nvSpPr>
         <p:spPr>
           <a:xfrm>
-            <a:off x="6948859" y="2358620"/>
+            <a:off x="5688558" y="5251699"/>
             <a:ext cx="622161" cy="553998"/>
           </a:xfrm>
           <a:prstGeom prst="rect">
@@ -7142,7 +7182,7 @@
       </p:sp>
       <p:grpSp>
         <p:nvGrpSpPr>
-          <p:cNvPr id="528" name="Group 527"/>
+          <p:cNvPr id="561" name="Group 560"/>
           <p:cNvGrpSpPr>
             <a:grpSpLocks noChangeAspect="1"/>
           </p:cNvGrpSpPr>
@@ -7150,7 +7190,7 @@
         </p:nvGrpSpPr>
         <p:grpSpPr>
           <a:xfrm>
-            <a:off x="8108075" y="2035001"/>
+            <a:off x="6847774" y="4959612"/>
             <a:ext cx="2405019" cy="3267933"/>
             <a:chOff x="8366268" y="1936368"/>
             <a:chExt cx="3006274" cy="4084920"/>
@@ -7158,7 +7198,7 @@
         </p:grpSpPr>
         <p:grpSp>
           <p:nvGrpSpPr>
-            <p:cNvPr id="529" name="Group 528"/>
+            <p:cNvPr id="562" name="Group 561"/>
             <p:cNvGrpSpPr/>
             <p:nvPr/>
           </p:nvGrpSpPr>
@@ -7172,7 +7212,7 @@
           </p:grpSpPr>
           <p:grpSp>
             <p:nvGrpSpPr>
-              <p:cNvPr id="532" name="Group 531"/>
+              <p:cNvPr id="565" name="Group 564"/>
               <p:cNvGrpSpPr/>
               <p:nvPr/>
             </p:nvGrpSpPr>
@@ -7186,7 +7226,7 @@
             </p:grpSpPr>
             <p:grpSp>
               <p:nvGrpSpPr>
-                <p:cNvPr id="535" name="Group 534"/>
+                <p:cNvPr id="568" name="Group 567"/>
                 <p:cNvGrpSpPr/>
                 <p:nvPr/>
               </p:nvGrpSpPr>
@@ -7200,7 +7240,7 @@
               </p:grpSpPr>
               <p:grpSp>
                 <p:nvGrpSpPr>
-                  <p:cNvPr id="537" name="Group 536"/>
+                  <p:cNvPr id="570" name="Group 569"/>
                   <p:cNvGrpSpPr>
                     <a:grpSpLocks noChangeAspect="1"/>
                   </p:cNvGrpSpPr>
@@ -7216,7 +7256,7 @@
                 </p:grpSpPr>
                 <p:sp>
                   <p:nvSpPr>
-                    <p:cNvPr id="540" name="Rectangle 539"/>
+                    <p:cNvPr id="573" name="Rectangle 572"/>
                     <p:cNvSpPr/>
                     <p:nvPr/>
                   </p:nvSpPr>
@@ -7266,7 +7306,7 @@
                 </p:sp>
                 <p:sp>
                   <p:nvSpPr>
-                    <p:cNvPr id="541" name="Rectangle 540"/>
+                    <p:cNvPr id="574" name="Rectangle 573"/>
                     <p:cNvSpPr/>
                     <p:nvPr/>
                   </p:nvSpPr>
@@ -7318,7 +7358,7 @@
                 </p:sp>
                 <p:sp>
                   <p:nvSpPr>
-                    <p:cNvPr id="542" name="Rectangle 541"/>
+                    <p:cNvPr id="575" name="Rectangle 574"/>
                     <p:cNvSpPr/>
                     <p:nvPr/>
                   </p:nvSpPr>
@@ -7370,7 +7410,7 @@
                 </p:sp>
                 <p:sp>
                   <p:nvSpPr>
-                    <p:cNvPr id="543" name="Rectangle 542"/>
+                    <p:cNvPr id="576" name="Rectangle 575"/>
                     <p:cNvSpPr/>
                     <p:nvPr/>
                   </p:nvSpPr>
@@ -7422,7 +7462,7 @@
                 </p:sp>
                 <p:sp>
                   <p:nvSpPr>
-                    <p:cNvPr id="544" name="Rectangle 543"/>
+                    <p:cNvPr id="577" name="Rectangle 576"/>
                     <p:cNvSpPr/>
                     <p:nvPr/>
                   </p:nvSpPr>
@@ -7474,7 +7514,7 @@
                 </p:sp>
                 <p:sp>
                   <p:nvSpPr>
-                    <p:cNvPr id="545" name="Rectangle 544"/>
+                    <p:cNvPr id="578" name="Rectangle 577"/>
                     <p:cNvSpPr/>
                     <p:nvPr/>
                   </p:nvSpPr>
@@ -7526,7 +7566,7 @@
                 </p:sp>
                 <p:sp>
                   <p:nvSpPr>
-                    <p:cNvPr id="546" name="Rectangle 545"/>
+                    <p:cNvPr id="579" name="Rectangle 578"/>
                     <p:cNvSpPr/>
                     <p:nvPr/>
                   </p:nvSpPr>
@@ -7578,7 +7618,7 @@
                 </p:sp>
                 <p:sp>
                   <p:nvSpPr>
-                    <p:cNvPr id="547" name="Rectangle 546"/>
+                    <p:cNvPr id="580" name="Rectangle 579"/>
                     <p:cNvSpPr/>
                     <p:nvPr/>
                   </p:nvSpPr>
@@ -7630,7 +7670,7 @@
                 </p:sp>
                 <p:sp>
                   <p:nvSpPr>
-                    <p:cNvPr id="548" name="Rectangle 547"/>
+                    <p:cNvPr id="581" name="Rectangle 580"/>
                     <p:cNvSpPr/>
                     <p:nvPr/>
                   </p:nvSpPr>
@@ -7682,7 +7722,7 @@
                 </p:sp>
                 <p:sp>
                   <p:nvSpPr>
-                    <p:cNvPr id="549" name="Rectangle 548"/>
+                    <p:cNvPr id="582" name="Rectangle 581"/>
                     <p:cNvSpPr/>
                     <p:nvPr/>
                   </p:nvSpPr>
@@ -7735,7 +7775,7 @@
               </p:grpSp>
               <p:sp>
                 <p:nvSpPr>
-                  <p:cNvPr id="538" name="Arc 537"/>
+                  <p:cNvPr id="571" name="Arc 570"/>
                   <p:cNvSpPr/>
                   <p:nvPr/>
                 </p:nvSpPr>
@@ -7777,7 +7817,7 @@
               </p:sp>
               <p:sp>
                 <p:nvSpPr>
-                  <p:cNvPr id="539" name="TextBox 538"/>
+                  <p:cNvPr id="572" name="TextBox 571"/>
                   <p:cNvSpPr txBox="1"/>
                   <p:nvPr/>
                 </p:nvSpPr>
@@ -7810,7 +7850,7 @@
             </p:grpSp>
             <p:cxnSp>
               <p:nvCxnSpPr>
-                <p:cNvPr id="536" name="Straight Arrow Connector 535"/>
+                <p:cNvPr id="569" name="Straight Arrow Connector 568"/>
                 <p:cNvCxnSpPr/>
                 <p:nvPr/>
               </p:nvCxnSpPr>
@@ -7848,7 +7888,7 @@
           </p:grpSp>
           <p:cxnSp>
             <p:nvCxnSpPr>
-              <p:cNvPr id="533" name="Straight Arrow Connector 532"/>
+              <p:cNvPr id="566" name="Straight Arrow Connector 565"/>
               <p:cNvCxnSpPr/>
               <p:nvPr/>
             </p:nvCxnSpPr>
@@ -7885,7 +7925,7 @@
           </p:cxnSp>
           <p:cxnSp>
             <p:nvCxnSpPr>
-              <p:cNvPr id="534" name="Straight Arrow Connector 533"/>
+              <p:cNvPr id="567" name="Straight Arrow Connector 566"/>
               <p:cNvCxnSpPr/>
               <p:nvPr/>
             </p:nvCxnSpPr>
@@ -7922,7 +7962,7 @@
         </p:grpSp>
         <p:sp>
           <p:nvSpPr>
-            <p:cNvPr id="530" name="TextBox 529"/>
+            <p:cNvPr id="563" name="TextBox 562"/>
             <p:cNvSpPr txBox="1"/>
             <p:nvPr/>
           </p:nvSpPr>
@@ -7960,7 +8000,7 @@
         </p:sp>
         <p:sp>
           <p:nvSpPr>
-            <p:cNvPr id="531" name="TextBox 530"/>
+            <p:cNvPr id="564" name="TextBox 563"/>
             <p:cNvSpPr txBox="1"/>
             <p:nvPr/>
           </p:nvSpPr>

--- a/Chapter7/Figures/Fig1.pptx
+++ b/Chapter7/Figures/Fig1.pptx
@@ -288,7 +288,7 @@
           <a:p>
             <a:fld id="{F848BF6A-F1E9-4728-9984-F1F3ACDA5DC0}" type="datetimeFigureOut">
               <a:rPr lang="en-GB" smtClean="0"/>
-              <a:t>10/09/2014</a:t>
+              <a:t>19/10/2014</a:t>
             </a:fld>
             <a:endParaRPr lang="en-GB"/>
           </a:p>
@@ -458,7 +458,7 @@
           <a:p>
             <a:fld id="{F848BF6A-F1E9-4728-9984-F1F3ACDA5DC0}" type="datetimeFigureOut">
               <a:rPr lang="en-GB" smtClean="0"/>
-              <a:t>10/09/2014</a:t>
+              <a:t>19/10/2014</a:t>
             </a:fld>
             <a:endParaRPr lang="en-GB"/>
           </a:p>
@@ -638,7 +638,7 @@
           <a:p>
             <a:fld id="{F848BF6A-F1E9-4728-9984-F1F3ACDA5DC0}" type="datetimeFigureOut">
               <a:rPr lang="en-GB" smtClean="0"/>
-              <a:t>10/09/2014</a:t>
+              <a:t>19/10/2014</a:t>
             </a:fld>
             <a:endParaRPr lang="en-GB"/>
           </a:p>
@@ -808,7 +808,7 @@
           <a:p>
             <a:fld id="{F848BF6A-F1E9-4728-9984-F1F3ACDA5DC0}" type="datetimeFigureOut">
               <a:rPr lang="en-GB" smtClean="0"/>
-              <a:t>10/09/2014</a:t>
+              <a:t>19/10/2014</a:t>
             </a:fld>
             <a:endParaRPr lang="en-GB"/>
           </a:p>
@@ -1054,7 +1054,7 @@
           <a:p>
             <a:fld id="{F848BF6A-F1E9-4728-9984-F1F3ACDA5DC0}" type="datetimeFigureOut">
               <a:rPr lang="en-GB" smtClean="0"/>
-              <a:t>10/09/2014</a:t>
+              <a:t>19/10/2014</a:t>
             </a:fld>
             <a:endParaRPr lang="en-GB"/>
           </a:p>
@@ -1342,7 +1342,7 @@
           <a:p>
             <a:fld id="{F848BF6A-F1E9-4728-9984-F1F3ACDA5DC0}" type="datetimeFigureOut">
               <a:rPr lang="en-GB" smtClean="0"/>
-              <a:t>10/09/2014</a:t>
+              <a:t>19/10/2014</a:t>
             </a:fld>
             <a:endParaRPr lang="en-GB"/>
           </a:p>
@@ -1764,7 +1764,7 @@
           <a:p>
             <a:fld id="{F848BF6A-F1E9-4728-9984-F1F3ACDA5DC0}" type="datetimeFigureOut">
               <a:rPr lang="en-GB" smtClean="0"/>
-              <a:t>10/09/2014</a:t>
+              <a:t>19/10/2014</a:t>
             </a:fld>
             <a:endParaRPr lang="en-GB"/>
           </a:p>
@@ -1882,7 +1882,7 @@
           <a:p>
             <a:fld id="{F848BF6A-F1E9-4728-9984-F1F3ACDA5DC0}" type="datetimeFigureOut">
               <a:rPr lang="en-GB" smtClean="0"/>
-              <a:t>10/09/2014</a:t>
+              <a:t>19/10/2014</a:t>
             </a:fld>
             <a:endParaRPr lang="en-GB"/>
           </a:p>
@@ -1977,7 +1977,7 @@
           <a:p>
             <a:fld id="{F848BF6A-F1E9-4728-9984-F1F3ACDA5DC0}" type="datetimeFigureOut">
               <a:rPr lang="en-GB" smtClean="0"/>
-              <a:t>10/09/2014</a:t>
+              <a:t>19/10/2014</a:t>
             </a:fld>
             <a:endParaRPr lang="en-GB"/>
           </a:p>
@@ -2254,7 +2254,7 @@
           <a:p>
             <a:fld id="{F848BF6A-F1E9-4728-9984-F1F3ACDA5DC0}" type="datetimeFigureOut">
               <a:rPr lang="en-GB" smtClean="0"/>
-              <a:t>10/09/2014</a:t>
+              <a:t>19/10/2014</a:t>
             </a:fld>
             <a:endParaRPr lang="en-GB"/>
           </a:p>
@@ -2507,7 +2507,7 @@
           <a:p>
             <a:fld id="{F848BF6A-F1E9-4728-9984-F1F3ACDA5DC0}" type="datetimeFigureOut">
               <a:rPr lang="en-GB" smtClean="0"/>
-              <a:t>10/09/2014</a:t>
+              <a:t>19/10/2014</a:t>
             </a:fld>
             <a:endParaRPr lang="en-GB"/>
           </a:p>
@@ -2720,7 +2720,7 @@
           <a:p>
             <a:fld id="{F848BF6A-F1E9-4728-9984-F1F3ACDA5DC0}" type="datetimeFigureOut">
               <a:rPr lang="en-GB" smtClean="0"/>
-              <a:t>10/09/2014</a:t>
+              <a:t>19/10/2014</a:t>
             </a:fld>
             <a:endParaRPr lang="en-GB"/>
           </a:p>
@@ -7182,861 +7182,835 @@
       </p:sp>
       <p:grpSp>
         <p:nvGrpSpPr>
-          <p:cNvPr id="561" name="Group 560"/>
+          <p:cNvPr id="570" name="Group 569"/>
           <p:cNvGrpSpPr>
             <a:grpSpLocks noChangeAspect="1"/>
           </p:cNvGrpSpPr>
           <p:nvPr/>
         </p:nvGrpSpPr>
         <p:grpSpPr>
-          <a:xfrm>
-            <a:off x="6847774" y="4959612"/>
-            <a:ext cx="2405019" cy="3267933"/>
-            <a:chOff x="8366268" y="1936368"/>
-            <a:chExt cx="3006274" cy="4084920"/>
+          <a:xfrm rot="1800000">
+            <a:off x="6992928" y="5880535"/>
+            <a:ext cx="2016001" cy="1844421"/>
+            <a:chOff x="2843205" y="4365103"/>
+            <a:chExt cx="1967667" cy="1800206"/>
           </a:xfrm>
         </p:grpSpPr>
-        <p:grpSp>
-          <p:nvGrpSpPr>
-            <p:cNvPr id="562" name="Group 561"/>
-            <p:cNvGrpSpPr/>
-            <p:nvPr/>
-          </p:nvGrpSpPr>
-          <p:grpSpPr>
-            <a:xfrm>
-              <a:off x="8366268" y="2415946"/>
-              <a:ext cx="2520001" cy="3605342"/>
-              <a:chOff x="8493181" y="2050201"/>
-              <a:chExt cx="2520001" cy="3605342"/>
-            </a:xfrm>
-          </p:grpSpPr>
-          <p:grpSp>
-            <p:nvGrpSpPr>
-              <p:cNvPr id="565" name="Group 564"/>
-              <p:cNvGrpSpPr/>
-              <p:nvPr/>
-            </p:nvGrpSpPr>
-            <p:grpSpPr>
-              <a:xfrm>
-                <a:off x="8493181" y="2599897"/>
-                <a:ext cx="2520001" cy="3055646"/>
-                <a:chOff x="3080714" y="3878803"/>
-                <a:chExt cx="1770900" cy="2147322"/>
-              </a:xfrm>
-            </p:grpSpPr>
-            <p:grpSp>
-              <p:nvGrpSpPr>
-                <p:cNvPr id="568" name="Group 567"/>
-                <p:cNvGrpSpPr/>
-                <p:nvPr/>
-              </p:nvGrpSpPr>
-              <p:grpSpPr>
-                <a:xfrm>
-                  <a:off x="3080714" y="4405940"/>
-                  <a:ext cx="1770900" cy="1620185"/>
-                  <a:chOff x="3080714" y="4385155"/>
-                  <a:chExt cx="1770900" cy="1620185"/>
-                </a:xfrm>
-              </p:grpSpPr>
-              <p:grpSp>
-                <p:nvGrpSpPr>
-                  <p:cNvPr id="570" name="Group 569"/>
-                  <p:cNvGrpSpPr>
-                    <a:grpSpLocks noChangeAspect="1"/>
-                  </p:cNvGrpSpPr>
-                  <p:nvPr/>
-                </p:nvGrpSpPr>
-                <p:grpSpPr>
-                  <a:xfrm rot="1800000">
-                    <a:off x="3080714" y="4385155"/>
-                    <a:ext cx="1770900" cy="1620185"/>
-                    <a:chOff x="2843205" y="4365103"/>
-                    <a:chExt cx="1967667" cy="1800206"/>
-                  </a:xfrm>
-                </p:grpSpPr>
-                <p:sp>
-                  <p:nvSpPr>
-                    <p:cNvPr id="573" name="Rectangle 572"/>
-                    <p:cNvSpPr/>
-                    <p:nvPr/>
-                  </p:nvSpPr>
-                  <p:spPr>
-                    <a:xfrm>
-                      <a:off x="2843205" y="4365309"/>
-                      <a:ext cx="1967667" cy="1800000"/>
-                    </a:xfrm>
-                    <a:prstGeom prst="rect">
-                      <a:avLst/>
-                    </a:prstGeom>
-                    <a:solidFill>
-                      <a:schemeClr val="bg1">
-                        <a:lumMod val="75000"/>
-                      </a:schemeClr>
-                    </a:solidFill>
-                    <a:ln>
-                      <a:solidFill>
-                        <a:schemeClr val="tx1"/>
-                      </a:solidFill>
-                    </a:ln>
-                  </p:spPr>
-                  <p:style>
-                    <a:lnRef idx="2">
-                      <a:schemeClr val="accent1">
-                        <a:shade val="50000"/>
-                      </a:schemeClr>
-                    </a:lnRef>
-                    <a:fillRef idx="1">
-                      <a:schemeClr val="accent1"/>
-                    </a:fillRef>
-                    <a:effectRef idx="0">
-                      <a:schemeClr val="accent1"/>
-                    </a:effectRef>
-                    <a:fontRef idx="minor">
-                      <a:schemeClr val="lt1"/>
-                    </a:fontRef>
-                  </p:style>
-                  <p:txBody>
-                    <a:bodyPr rtlCol="0" anchor="ctr"/>
-                    <a:lstStyle/>
-                    <a:p>
-                      <a:pPr algn="ctr"/>
-                      <a:endParaRPr lang="en-GB" dirty="0"/>
-                    </a:p>
-                  </p:txBody>
-                </p:sp>
-                <p:sp>
-                  <p:nvSpPr>
-                    <p:cNvPr id="574" name="Rectangle 573"/>
-                    <p:cNvSpPr/>
-                    <p:nvPr/>
-                  </p:nvSpPr>
-                  <p:spPr>
-                    <a:xfrm>
-                      <a:off x="2943880" y="4365104"/>
-                      <a:ext cx="84329" cy="1800000"/>
-                    </a:xfrm>
-                    <a:prstGeom prst="rect">
-                      <a:avLst/>
-                    </a:prstGeom>
-                    <a:solidFill>
-                      <a:schemeClr val="bg1">
-                        <a:lumMod val="75000"/>
-                      </a:schemeClr>
-                    </a:solidFill>
-                    <a:ln>
-                      <a:solidFill>
-                        <a:schemeClr val="bg1">
-                          <a:lumMod val="50000"/>
-                        </a:schemeClr>
-                      </a:solidFill>
-                    </a:ln>
-                  </p:spPr>
-                  <p:style>
-                    <a:lnRef idx="2">
-                      <a:schemeClr val="accent1">
-                        <a:shade val="50000"/>
-                      </a:schemeClr>
-                    </a:lnRef>
-                    <a:fillRef idx="1">
-                      <a:schemeClr val="accent1"/>
-                    </a:fillRef>
-                    <a:effectRef idx="0">
-                      <a:schemeClr val="accent1"/>
-                    </a:effectRef>
-                    <a:fontRef idx="minor">
-                      <a:schemeClr val="lt1"/>
-                    </a:fontRef>
-                  </p:style>
-                  <p:txBody>
-                    <a:bodyPr rtlCol="0" anchor="ctr"/>
-                    <a:lstStyle/>
-                    <a:p>
-                      <a:pPr algn="ctr"/>
-                      <a:endParaRPr lang="en-GB" dirty="0"/>
-                    </a:p>
-                  </p:txBody>
-                </p:sp>
-                <p:sp>
-                  <p:nvSpPr>
-                    <p:cNvPr id="575" name="Rectangle 574"/>
-                    <p:cNvSpPr/>
-                    <p:nvPr/>
-                  </p:nvSpPr>
-                  <p:spPr>
-                    <a:xfrm>
-                      <a:off x="3158126" y="4365104"/>
-                      <a:ext cx="84329" cy="1800000"/>
-                    </a:xfrm>
-                    <a:prstGeom prst="rect">
-                      <a:avLst/>
-                    </a:prstGeom>
-                    <a:solidFill>
-                      <a:schemeClr val="bg1">
-                        <a:lumMod val="75000"/>
-                      </a:schemeClr>
-                    </a:solidFill>
-                    <a:ln>
-                      <a:solidFill>
-                        <a:schemeClr val="bg1">
-                          <a:lumMod val="50000"/>
-                        </a:schemeClr>
-                      </a:solidFill>
-                    </a:ln>
-                  </p:spPr>
-                  <p:style>
-                    <a:lnRef idx="2">
-                      <a:schemeClr val="accent1">
-                        <a:shade val="50000"/>
-                      </a:schemeClr>
-                    </a:lnRef>
-                    <a:fillRef idx="1">
-                      <a:schemeClr val="accent1"/>
-                    </a:fillRef>
-                    <a:effectRef idx="0">
-                      <a:schemeClr val="accent1"/>
-                    </a:effectRef>
-                    <a:fontRef idx="minor">
-                      <a:schemeClr val="lt1"/>
-                    </a:fontRef>
-                  </p:style>
-                  <p:txBody>
-                    <a:bodyPr rtlCol="0" anchor="ctr"/>
-                    <a:lstStyle/>
-                    <a:p>
-                      <a:pPr algn="ctr"/>
-                      <a:endParaRPr lang="en-GB" dirty="0"/>
-                    </a:p>
-                  </p:txBody>
-                </p:sp>
-                <p:sp>
-                  <p:nvSpPr>
-                    <p:cNvPr id="576" name="Rectangle 575"/>
-                    <p:cNvSpPr/>
-                    <p:nvPr/>
-                  </p:nvSpPr>
-                  <p:spPr>
-                    <a:xfrm>
-                      <a:off x="3374152" y="4365104"/>
-                      <a:ext cx="84329" cy="1800000"/>
-                    </a:xfrm>
-                    <a:prstGeom prst="rect">
-                      <a:avLst/>
-                    </a:prstGeom>
-                    <a:solidFill>
-                      <a:schemeClr val="bg1">
-                        <a:lumMod val="75000"/>
-                      </a:schemeClr>
-                    </a:solidFill>
-                    <a:ln>
-                      <a:solidFill>
-                        <a:schemeClr val="bg1">
-                          <a:lumMod val="50000"/>
-                        </a:schemeClr>
-                      </a:solidFill>
-                    </a:ln>
-                  </p:spPr>
-                  <p:style>
-                    <a:lnRef idx="2">
-                      <a:schemeClr val="accent1">
-                        <a:shade val="50000"/>
-                      </a:schemeClr>
-                    </a:lnRef>
-                    <a:fillRef idx="1">
-                      <a:schemeClr val="accent1"/>
-                    </a:fillRef>
-                    <a:effectRef idx="0">
-                      <a:schemeClr val="accent1"/>
-                    </a:effectRef>
-                    <a:fontRef idx="minor">
-                      <a:schemeClr val="lt1"/>
-                    </a:fontRef>
-                  </p:style>
-                  <p:txBody>
-                    <a:bodyPr rtlCol="0" anchor="ctr"/>
-                    <a:lstStyle/>
-                    <a:p>
-                      <a:pPr algn="ctr"/>
-                      <a:endParaRPr lang="en-GB" dirty="0"/>
-                    </a:p>
-                  </p:txBody>
-                </p:sp>
-                <p:sp>
-                  <p:nvSpPr>
-                    <p:cNvPr id="577" name="Rectangle 576"/>
-                    <p:cNvSpPr/>
-                    <p:nvPr/>
-                  </p:nvSpPr>
-                  <p:spPr>
-                    <a:xfrm>
-                      <a:off x="3590176" y="4365103"/>
-                      <a:ext cx="84329" cy="1800000"/>
-                    </a:xfrm>
-                    <a:prstGeom prst="rect">
-                      <a:avLst/>
-                    </a:prstGeom>
-                    <a:solidFill>
-                      <a:schemeClr val="bg1">
-                        <a:lumMod val="75000"/>
-                      </a:schemeClr>
-                    </a:solidFill>
-                    <a:ln>
-                      <a:solidFill>
-                        <a:schemeClr val="bg1">
-                          <a:lumMod val="50000"/>
-                        </a:schemeClr>
-                      </a:solidFill>
-                    </a:ln>
-                  </p:spPr>
-                  <p:style>
-                    <a:lnRef idx="2">
-                      <a:schemeClr val="accent1">
-                        <a:shade val="50000"/>
-                      </a:schemeClr>
-                    </a:lnRef>
-                    <a:fillRef idx="1">
-                      <a:schemeClr val="accent1"/>
-                    </a:fillRef>
-                    <a:effectRef idx="0">
-                      <a:schemeClr val="accent1"/>
-                    </a:effectRef>
-                    <a:fontRef idx="minor">
-                      <a:schemeClr val="lt1"/>
-                    </a:fontRef>
-                  </p:style>
-                  <p:txBody>
-                    <a:bodyPr rtlCol="0" anchor="ctr"/>
-                    <a:lstStyle/>
-                    <a:p>
-                      <a:pPr algn="ctr"/>
-                      <a:endParaRPr lang="en-GB" dirty="0"/>
-                    </a:p>
-                  </p:txBody>
-                </p:sp>
-                <p:sp>
-                  <p:nvSpPr>
-                    <p:cNvPr id="578" name="Rectangle 577"/>
-                    <p:cNvSpPr/>
-                    <p:nvPr/>
-                  </p:nvSpPr>
-                  <p:spPr>
-                    <a:xfrm>
-                      <a:off x="3806200" y="4365104"/>
-                      <a:ext cx="84329" cy="1800000"/>
-                    </a:xfrm>
-                    <a:prstGeom prst="rect">
-                      <a:avLst/>
-                    </a:prstGeom>
-                    <a:solidFill>
-                      <a:schemeClr val="bg1">
-                        <a:lumMod val="75000"/>
-                      </a:schemeClr>
-                    </a:solidFill>
-                    <a:ln>
-                      <a:solidFill>
-                        <a:schemeClr val="bg1">
-                          <a:lumMod val="50000"/>
-                        </a:schemeClr>
-                      </a:solidFill>
-                    </a:ln>
-                  </p:spPr>
-                  <p:style>
-                    <a:lnRef idx="2">
-                      <a:schemeClr val="accent1">
-                        <a:shade val="50000"/>
-                      </a:schemeClr>
-                    </a:lnRef>
-                    <a:fillRef idx="1">
-                      <a:schemeClr val="accent1"/>
-                    </a:fillRef>
-                    <a:effectRef idx="0">
-                      <a:schemeClr val="accent1"/>
-                    </a:effectRef>
-                    <a:fontRef idx="minor">
-                      <a:schemeClr val="lt1"/>
-                    </a:fontRef>
-                  </p:style>
-                  <p:txBody>
-                    <a:bodyPr rtlCol="0" anchor="ctr"/>
-                    <a:lstStyle/>
-                    <a:p>
-                      <a:pPr algn="ctr"/>
-                      <a:endParaRPr lang="en-GB" dirty="0"/>
-                    </a:p>
-                  </p:txBody>
-                </p:sp>
-                <p:sp>
-                  <p:nvSpPr>
-                    <p:cNvPr id="579" name="Rectangle 578"/>
-                    <p:cNvSpPr/>
-                    <p:nvPr/>
-                  </p:nvSpPr>
-                  <p:spPr>
-                    <a:xfrm>
-                      <a:off x="4022224" y="4365104"/>
-                      <a:ext cx="84329" cy="1800000"/>
-                    </a:xfrm>
-                    <a:prstGeom prst="rect">
-                      <a:avLst/>
-                    </a:prstGeom>
-                    <a:solidFill>
-                      <a:schemeClr val="bg1">
-                        <a:lumMod val="75000"/>
-                      </a:schemeClr>
-                    </a:solidFill>
-                    <a:ln>
-                      <a:solidFill>
-                        <a:schemeClr val="bg1">
-                          <a:lumMod val="50000"/>
-                        </a:schemeClr>
-                      </a:solidFill>
-                    </a:ln>
-                  </p:spPr>
-                  <p:style>
-                    <a:lnRef idx="2">
-                      <a:schemeClr val="accent1">
-                        <a:shade val="50000"/>
-                      </a:schemeClr>
-                    </a:lnRef>
-                    <a:fillRef idx="1">
-                      <a:schemeClr val="accent1"/>
-                    </a:fillRef>
-                    <a:effectRef idx="0">
-                      <a:schemeClr val="accent1"/>
-                    </a:effectRef>
-                    <a:fontRef idx="minor">
-                      <a:schemeClr val="lt1"/>
-                    </a:fontRef>
-                  </p:style>
-                  <p:txBody>
-                    <a:bodyPr rtlCol="0" anchor="ctr"/>
-                    <a:lstStyle/>
-                    <a:p>
-                      <a:pPr algn="ctr"/>
-                      <a:endParaRPr lang="en-GB" dirty="0"/>
-                    </a:p>
-                  </p:txBody>
-                </p:sp>
-                <p:sp>
-                  <p:nvSpPr>
-                    <p:cNvPr id="580" name="Rectangle 579"/>
-                    <p:cNvSpPr/>
-                    <p:nvPr/>
-                  </p:nvSpPr>
-                  <p:spPr>
-                    <a:xfrm>
-                      <a:off x="4221484" y="4365104"/>
-                      <a:ext cx="84329" cy="1800000"/>
-                    </a:xfrm>
-                    <a:prstGeom prst="rect">
-                      <a:avLst/>
-                    </a:prstGeom>
-                    <a:solidFill>
-                      <a:schemeClr val="bg1">
-                        <a:lumMod val="75000"/>
-                      </a:schemeClr>
-                    </a:solidFill>
-                    <a:ln>
-                      <a:solidFill>
-                        <a:schemeClr val="bg1">
-                          <a:lumMod val="50000"/>
-                        </a:schemeClr>
-                      </a:solidFill>
-                    </a:ln>
-                  </p:spPr>
-                  <p:style>
-                    <a:lnRef idx="2">
-                      <a:schemeClr val="accent1">
-                        <a:shade val="50000"/>
-                      </a:schemeClr>
-                    </a:lnRef>
-                    <a:fillRef idx="1">
-                      <a:schemeClr val="accent1"/>
-                    </a:fillRef>
-                    <a:effectRef idx="0">
-                      <a:schemeClr val="accent1"/>
-                    </a:effectRef>
-                    <a:fontRef idx="minor">
-                      <a:schemeClr val="lt1"/>
-                    </a:fontRef>
-                  </p:style>
-                  <p:txBody>
-                    <a:bodyPr rtlCol="0" anchor="ctr"/>
-                    <a:lstStyle/>
-                    <a:p>
-                      <a:pPr algn="ctr"/>
-                      <a:endParaRPr lang="en-GB" dirty="0"/>
-                    </a:p>
-                  </p:txBody>
-                </p:sp>
-                <p:sp>
-                  <p:nvSpPr>
-                    <p:cNvPr id="581" name="Rectangle 580"/>
-                    <p:cNvSpPr/>
-                    <p:nvPr/>
-                  </p:nvSpPr>
-                  <p:spPr>
-                    <a:xfrm>
-                      <a:off x="4435221" y="4365104"/>
-                      <a:ext cx="84329" cy="1800000"/>
-                    </a:xfrm>
-                    <a:prstGeom prst="rect">
-                      <a:avLst/>
-                    </a:prstGeom>
-                    <a:solidFill>
-                      <a:schemeClr val="bg1">
-                        <a:lumMod val="75000"/>
-                      </a:schemeClr>
-                    </a:solidFill>
-                    <a:ln>
-                      <a:solidFill>
-                        <a:schemeClr val="bg1">
-                          <a:lumMod val="50000"/>
-                        </a:schemeClr>
-                      </a:solidFill>
-                    </a:ln>
-                  </p:spPr>
-                  <p:style>
-                    <a:lnRef idx="2">
-                      <a:schemeClr val="accent1">
-                        <a:shade val="50000"/>
-                      </a:schemeClr>
-                    </a:lnRef>
-                    <a:fillRef idx="1">
-                      <a:schemeClr val="accent1"/>
-                    </a:fillRef>
-                    <a:effectRef idx="0">
-                      <a:schemeClr val="accent1"/>
-                    </a:effectRef>
-                    <a:fontRef idx="minor">
-                      <a:schemeClr val="lt1"/>
-                    </a:fontRef>
-                  </p:style>
-                  <p:txBody>
-                    <a:bodyPr rtlCol="0" anchor="ctr"/>
-                    <a:lstStyle/>
-                    <a:p>
-                      <a:pPr algn="ctr"/>
-                      <a:endParaRPr lang="en-GB" dirty="0"/>
-                    </a:p>
-                  </p:txBody>
-                </p:sp>
-                <p:sp>
-                  <p:nvSpPr>
-                    <p:cNvPr id="582" name="Rectangle 581"/>
-                    <p:cNvSpPr/>
-                    <p:nvPr/>
-                  </p:nvSpPr>
-                  <p:spPr>
-                    <a:xfrm>
-                      <a:off x="4629149" y="4365104"/>
-                      <a:ext cx="84329" cy="1800000"/>
-                    </a:xfrm>
-                    <a:prstGeom prst="rect">
-                      <a:avLst/>
-                    </a:prstGeom>
-                    <a:solidFill>
-                      <a:schemeClr val="bg1">
-                        <a:lumMod val="75000"/>
-                      </a:schemeClr>
-                    </a:solidFill>
-                    <a:ln>
-                      <a:solidFill>
-                        <a:schemeClr val="bg1">
-                          <a:lumMod val="50000"/>
-                        </a:schemeClr>
-                      </a:solidFill>
-                    </a:ln>
-                  </p:spPr>
-                  <p:style>
-                    <a:lnRef idx="2">
-                      <a:schemeClr val="accent1">
-                        <a:shade val="50000"/>
-                      </a:schemeClr>
-                    </a:lnRef>
-                    <a:fillRef idx="1">
-                      <a:schemeClr val="accent1"/>
-                    </a:fillRef>
-                    <a:effectRef idx="0">
-                      <a:schemeClr val="accent1"/>
-                    </a:effectRef>
-                    <a:fontRef idx="minor">
-                      <a:schemeClr val="lt1"/>
-                    </a:fontRef>
-                  </p:style>
-                  <p:txBody>
-                    <a:bodyPr rtlCol="0" anchor="ctr"/>
-                    <a:lstStyle/>
-                    <a:p>
-                      <a:pPr algn="ctr"/>
-                      <a:endParaRPr lang="en-GB" dirty="0"/>
-                    </a:p>
-                  </p:txBody>
-                </p:sp>
-              </p:grpSp>
-              <p:sp>
-                <p:nvSpPr>
-                  <p:cNvPr id="571" name="Arc 570"/>
-                  <p:cNvSpPr/>
-                  <p:nvPr/>
-                </p:nvSpPr>
-                <p:spPr>
-                  <a:xfrm>
-                    <a:off x="3907588" y="4773033"/>
-                    <a:ext cx="418297" cy="326665"/>
-                  </a:xfrm>
-                  <a:prstGeom prst="arc">
-                    <a:avLst>
-                      <a:gd name="adj1" fmla="val 16200000"/>
-                      <a:gd name="adj2" fmla="val 20775407"/>
-                    </a:avLst>
-                  </a:prstGeom>
-                  <a:ln w="28575"/>
-                </p:spPr>
-                <p:style>
-                  <a:lnRef idx="1">
-                    <a:schemeClr val="dk1"/>
-                  </a:lnRef>
-                  <a:fillRef idx="0">
-                    <a:schemeClr val="dk1"/>
-                  </a:fillRef>
-                  <a:effectRef idx="0">
-                    <a:schemeClr val="dk1"/>
-                  </a:effectRef>
-                  <a:fontRef idx="minor">
-                    <a:schemeClr val="tx1"/>
-                  </a:fontRef>
-                </p:style>
-                <p:txBody>
-                  <a:bodyPr rtlCol="0" anchor="ctr"/>
-                  <a:lstStyle/>
-                  <a:p>
-                    <a:pPr algn="ctr"/>
-                    <a:endParaRPr lang="en-GB" dirty="0"/>
-                  </a:p>
-                </p:txBody>
-              </p:sp>
-              <p:sp>
-                <p:nvSpPr>
-                  <p:cNvPr id="572" name="TextBox 571"/>
-                  <p:cNvSpPr txBox="1"/>
-                  <p:nvPr/>
-                </p:nvSpPr>
-                <p:spPr>
-                  <a:xfrm>
-                    <a:off x="4081268" y="4402276"/>
-                    <a:ext cx="360040" cy="335245"/>
-                  </a:xfrm>
-                  <a:prstGeom prst="rect">
-                    <a:avLst/>
-                  </a:prstGeom>
-                  <a:noFill/>
-                </p:spPr>
-                <p:txBody>
-                  <a:bodyPr wrap="square" rtlCol="0">
-                    <a:spAutoFit/>
-                  </a:bodyPr>
-                  <a:lstStyle/>
-                  <a:p>
-                    <a:r>
-                      <a:rPr lang="el-GR" sz="2500" dirty="0" smtClean="0">
-                        <a:latin typeface="Calibri"/>
-                      </a:rPr>
-                      <a:t>φ</a:t>
-                    </a:r>
-                    <a:endParaRPr lang="en-GB" sz="2500" dirty="0"/>
-                  </a:p>
-                </p:txBody>
-              </p:sp>
-            </p:grpSp>
-            <p:cxnSp>
-              <p:nvCxnSpPr>
-                <p:cNvPr id="569" name="Straight Arrow Connector 568"/>
-                <p:cNvCxnSpPr/>
-                <p:nvPr/>
-              </p:nvCxnSpPr>
-              <p:spPr>
-                <a:xfrm>
-                  <a:off x="3840328" y="3878803"/>
-                  <a:ext cx="790580" cy="0"/>
-                </a:xfrm>
-                <a:prstGeom prst="straightConnector1">
-                  <a:avLst/>
-                </a:prstGeom>
-                <a:ln w="38100">
-                  <a:solidFill>
-                    <a:srgbClr val="FF0000"/>
-                  </a:solidFill>
-                  <a:headEnd type="arrow"/>
-                  <a:tailEnd type="arrow" w="sm" len="med"/>
-                </a:ln>
-              </p:spPr>
-              <p:style>
-                <a:lnRef idx="1">
-                  <a:schemeClr val="accent1"/>
-                </a:lnRef>
-                <a:fillRef idx="0">
-                  <a:schemeClr val="accent1"/>
-                </a:fillRef>
-                <a:effectRef idx="0">
-                  <a:schemeClr val="accent1"/>
-                </a:effectRef>
-                <a:fontRef idx="minor">
-                  <a:schemeClr val="tx1"/>
-                </a:fontRef>
-              </p:style>
-            </p:cxnSp>
-          </p:grpSp>
-          <p:cxnSp>
-            <p:nvCxnSpPr>
-              <p:cNvPr id="566" name="Straight Arrow Connector 565"/>
-              <p:cNvCxnSpPr/>
-              <p:nvPr/>
-            </p:nvCxnSpPr>
-            <p:spPr>
-              <a:xfrm rot="16200000">
-                <a:off x="9559438" y="2612702"/>
-                <a:ext cx="1125001" cy="0"/>
-              </a:xfrm>
-              <a:prstGeom prst="straightConnector1">
-                <a:avLst/>
-              </a:prstGeom>
-              <a:ln w="38100">
-                <a:solidFill>
-                  <a:srgbClr val="0000CC"/>
-                </a:solidFill>
-                <a:headEnd type="arrow"/>
-                <a:tailEnd type="arrow" w="sm" len="med"/>
-              </a:ln>
-            </p:spPr>
-            <p:style>
-              <a:lnRef idx="1">
-                <a:schemeClr val="accent1"/>
-              </a:lnRef>
-              <a:fillRef idx="0">
-                <a:schemeClr val="accent1"/>
-              </a:fillRef>
-              <a:effectRef idx="0">
-                <a:schemeClr val="accent1"/>
-              </a:effectRef>
-              <a:fontRef idx="minor">
-                <a:schemeClr val="tx1"/>
-              </a:fontRef>
-            </p:style>
-          </p:cxnSp>
-          <p:cxnSp>
-            <p:nvCxnSpPr>
-              <p:cNvPr id="567" name="Straight Arrow Connector 566"/>
-              <p:cNvCxnSpPr/>
-              <p:nvPr/>
-            </p:nvCxnSpPr>
-            <p:spPr>
-              <a:xfrm>
-                <a:off x="9919617" y="2357538"/>
-                <a:ext cx="0" cy="2340000"/>
-              </a:xfrm>
-              <a:prstGeom prst="straightConnector1">
-                <a:avLst/>
-              </a:prstGeom>
-              <a:ln w="69850">
-                <a:solidFill>
-                  <a:schemeClr val="tx1"/>
-                </a:solidFill>
-                <a:tailEnd type="triangle"/>
-              </a:ln>
-            </p:spPr>
-            <p:style>
-              <a:lnRef idx="1">
-                <a:schemeClr val="accent1"/>
-              </a:lnRef>
-              <a:fillRef idx="0">
-                <a:schemeClr val="accent1"/>
-              </a:fillRef>
-              <a:effectRef idx="0">
-                <a:schemeClr val="accent1"/>
-              </a:effectRef>
-              <a:fontRef idx="minor">
-                <a:schemeClr val="tx1"/>
-              </a:fontRef>
-            </p:style>
-          </p:cxnSp>
-        </p:grpSp>
         <p:sp>
           <p:nvSpPr>
-            <p:cNvPr id="563" name="TextBox 562"/>
-            <p:cNvSpPr txBox="1"/>
+            <p:cNvPr id="573" name="Rectangle 572"/>
+            <p:cNvSpPr/>
             <p:nvPr/>
           </p:nvSpPr>
           <p:spPr>
             <a:xfrm>
-              <a:off x="10481122" y="2656449"/>
-              <a:ext cx="891420" cy="596318"/>
+              <a:off x="2843205" y="4365309"/>
+              <a:ext cx="1967667" cy="1800000"/>
             </a:xfrm>
             <a:prstGeom prst="rect">
               <a:avLst/>
             </a:prstGeom>
-            <a:noFill/>
+            <a:solidFill>
+              <a:schemeClr val="bg1">
+                <a:lumMod val="75000"/>
+              </a:schemeClr>
+            </a:solidFill>
+            <a:ln>
+              <a:solidFill>
+                <a:schemeClr val="tx1"/>
+              </a:solidFill>
+            </a:ln>
           </p:spPr>
+          <p:style>
+            <a:lnRef idx="2">
+              <a:schemeClr val="accent1">
+                <a:shade val="50000"/>
+              </a:schemeClr>
+            </a:lnRef>
+            <a:fillRef idx="1">
+              <a:schemeClr val="accent1"/>
+            </a:fillRef>
+            <a:effectRef idx="0">
+              <a:schemeClr val="accent1"/>
+            </a:effectRef>
+            <a:fontRef idx="minor">
+              <a:schemeClr val="lt1"/>
+            </a:fontRef>
+          </p:style>
           <p:txBody>
-            <a:bodyPr wrap="square" rtlCol="0">
-              <a:spAutoFit/>
-            </a:bodyPr>
+            <a:bodyPr rtlCol="0" anchor="ctr"/>
             <a:lstStyle/>
             <a:p>
-              <a:r>
-                <a:rPr lang="en-GB" sz="2500" dirty="0" smtClean="0">
-                  <a:solidFill>
-                    <a:srgbClr val="FF0000"/>
-                  </a:solidFill>
-                </a:rPr>
-                <a:t>TM</a:t>
-              </a:r>
-              <a:endParaRPr lang="en-GB" sz="2500" dirty="0">
-                <a:solidFill>
-                  <a:srgbClr val="FF0000"/>
-                </a:solidFill>
-              </a:endParaRPr>
+              <a:pPr algn="ctr"/>
+              <a:endParaRPr lang="en-GB" dirty="0"/>
             </a:p>
           </p:txBody>
         </p:sp>
         <p:sp>
           <p:nvSpPr>
-            <p:cNvPr id="564" name="TextBox 563"/>
-            <p:cNvSpPr txBox="1"/>
+            <p:cNvPr id="574" name="Rectangle 573"/>
+            <p:cNvSpPr/>
             <p:nvPr/>
           </p:nvSpPr>
           <p:spPr>
             <a:xfrm>
-              <a:off x="9682581" y="1936368"/>
-              <a:ext cx="680645" cy="477054"/>
+              <a:off x="2943880" y="4365104"/>
+              <a:ext cx="84329" cy="1800000"/>
             </a:xfrm>
             <a:prstGeom prst="rect">
               <a:avLst/>
             </a:prstGeom>
-            <a:noFill/>
+            <a:solidFill>
+              <a:schemeClr val="bg1">
+                <a:lumMod val="75000"/>
+              </a:schemeClr>
+            </a:solidFill>
+            <a:ln>
+              <a:solidFill>
+                <a:schemeClr val="bg1">
+                  <a:lumMod val="50000"/>
+                </a:schemeClr>
+              </a:solidFill>
+            </a:ln>
           </p:spPr>
+          <p:style>
+            <a:lnRef idx="2">
+              <a:schemeClr val="accent1">
+                <a:shade val="50000"/>
+              </a:schemeClr>
+            </a:lnRef>
+            <a:fillRef idx="1">
+              <a:schemeClr val="accent1"/>
+            </a:fillRef>
+            <a:effectRef idx="0">
+              <a:schemeClr val="accent1"/>
+            </a:effectRef>
+            <a:fontRef idx="minor">
+              <a:schemeClr val="lt1"/>
+            </a:fontRef>
+          </p:style>
           <p:txBody>
-            <a:bodyPr wrap="square" rtlCol="0">
-              <a:spAutoFit/>
-            </a:bodyPr>
+            <a:bodyPr rtlCol="0" anchor="ctr"/>
             <a:lstStyle/>
             <a:p>
-              <a:r>
-                <a:rPr lang="en-GB" sz="2500" dirty="0" smtClean="0">
-                  <a:solidFill>
-                    <a:srgbClr val="0000CC"/>
-                  </a:solidFill>
-                </a:rPr>
-                <a:t>TE</a:t>
-              </a:r>
-              <a:endParaRPr lang="en-GB" sz="2500" dirty="0">
-                <a:solidFill>
-                  <a:srgbClr val="0000CC"/>
-                </a:solidFill>
-              </a:endParaRPr>
+              <a:pPr algn="ctr"/>
+              <a:endParaRPr lang="en-GB" dirty="0"/>
+            </a:p>
+          </p:txBody>
+        </p:sp>
+        <p:sp>
+          <p:nvSpPr>
+            <p:cNvPr id="575" name="Rectangle 574"/>
+            <p:cNvSpPr/>
+            <p:nvPr/>
+          </p:nvSpPr>
+          <p:spPr>
+            <a:xfrm>
+              <a:off x="3158126" y="4365104"/>
+              <a:ext cx="84329" cy="1800000"/>
+            </a:xfrm>
+            <a:prstGeom prst="rect">
+              <a:avLst/>
+            </a:prstGeom>
+            <a:solidFill>
+              <a:schemeClr val="bg1">
+                <a:lumMod val="75000"/>
+              </a:schemeClr>
+            </a:solidFill>
+            <a:ln>
+              <a:solidFill>
+                <a:schemeClr val="bg1">
+                  <a:lumMod val="50000"/>
+                </a:schemeClr>
+              </a:solidFill>
+            </a:ln>
+          </p:spPr>
+          <p:style>
+            <a:lnRef idx="2">
+              <a:schemeClr val="accent1">
+                <a:shade val="50000"/>
+              </a:schemeClr>
+            </a:lnRef>
+            <a:fillRef idx="1">
+              <a:schemeClr val="accent1"/>
+            </a:fillRef>
+            <a:effectRef idx="0">
+              <a:schemeClr val="accent1"/>
+            </a:effectRef>
+            <a:fontRef idx="minor">
+              <a:schemeClr val="lt1"/>
+            </a:fontRef>
+          </p:style>
+          <p:txBody>
+            <a:bodyPr rtlCol="0" anchor="ctr"/>
+            <a:lstStyle/>
+            <a:p>
+              <a:pPr algn="ctr"/>
+              <a:endParaRPr lang="en-GB" dirty="0"/>
+            </a:p>
+          </p:txBody>
+        </p:sp>
+        <p:sp>
+          <p:nvSpPr>
+            <p:cNvPr id="576" name="Rectangle 575"/>
+            <p:cNvSpPr/>
+            <p:nvPr/>
+          </p:nvSpPr>
+          <p:spPr>
+            <a:xfrm>
+              <a:off x="3374152" y="4365104"/>
+              <a:ext cx="84329" cy="1800000"/>
+            </a:xfrm>
+            <a:prstGeom prst="rect">
+              <a:avLst/>
+            </a:prstGeom>
+            <a:solidFill>
+              <a:schemeClr val="bg1">
+                <a:lumMod val="75000"/>
+              </a:schemeClr>
+            </a:solidFill>
+            <a:ln>
+              <a:solidFill>
+                <a:schemeClr val="bg1">
+                  <a:lumMod val="50000"/>
+                </a:schemeClr>
+              </a:solidFill>
+            </a:ln>
+          </p:spPr>
+          <p:style>
+            <a:lnRef idx="2">
+              <a:schemeClr val="accent1">
+                <a:shade val="50000"/>
+              </a:schemeClr>
+            </a:lnRef>
+            <a:fillRef idx="1">
+              <a:schemeClr val="accent1"/>
+            </a:fillRef>
+            <a:effectRef idx="0">
+              <a:schemeClr val="accent1"/>
+            </a:effectRef>
+            <a:fontRef idx="minor">
+              <a:schemeClr val="lt1"/>
+            </a:fontRef>
+          </p:style>
+          <p:txBody>
+            <a:bodyPr rtlCol="0" anchor="ctr"/>
+            <a:lstStyle/>
+            <a:p>
+              <a:pPr algn="ctr"/>
+              <a:endParaRPr lang="en-GB" dirty="0"/>
+            </a:p>
+          </p:txBody>
+        </p:sp>
+        <p:sp>
+          <p:nvSpPr>
+            <p:cNvPr id="577" name="Rectangle 576"/>
+            <p:cNvSpPr/>
+            <p:nvPr/>
+          </p:nvSpPr>
+          <p:spPr>
+            <a:xfrm>
+              <a:off x="3590176" y="4365103"/>
+              <a:ext cx="84329" cy="1800000"/>
+            </a:xfrm>
+            <a:prstGeom prst="rect">
+              <a:avLst/>
+            </a:prstGeom>
+            <a:solidFill>
+              <a:schemeClr val="bg1">
+                <a:lumMod val="75000"/>
+              </a:schemeClr>
+            </a:solidFill>
+            <a:ln>
+              <a:solidFill>
+                <a:schemeClr val="bg1">
+                  <a:lumMod val="50000"/>
+                </a:schemeClr>
+              </a:solidFill>
+            </a:ln>
+          </p:spPr>
+          <p:style>
+            <a:lnRef idx="2">
+              <a:schemeClr val="accent1">
+                <a:shade val="50000"/>
+              </a:schemeClr>
+            </a:lnRef>
+            <a:fillRef idx="1">
+              <a:schemeClr val="accent1"/>
+            </a:fillRef>
+            <a:effectRef idx="0">
+              <a:schemeClr val="accent1"/>
+            </a:effectRef>
+            <a:fontRef idx="minor">
+              <a:schemeClr val="lt1"/>
+            </a:fontRef>
+          </p:style>
+          <p:txBody>
+            <a:bodyPr rtlCol="0" anchor="ctr"/>
+            <a:lstStyle/>
+            <a:p>
+              <a:pPr algn="ctr"/>
+              <a:endParaRPr lang="en-GB" dirty="0"/>
+            </a:p>
+          </p:txBody>
+        </p:sp>
+        <p:sp>
+          <p:nvSpPr>
+            <p:cNvPr id="578" name="Rectangle 577"/>
+            <p:cNvSpPr/>
+            <p:nvPr/>
+          </p:nvSpPr>
+          <p:spPr>
+            <a:xfrm>
+              <a:off x="3806200" y="4365104"/>
+              <a:ext cx="84329" cy="1800000"/>
+            </a:xfrm>
+            <a:prstGeom prst="rect">
+              <a:avLst/>
+            </a:prstGeom>
+            <a:solidFill>
+              <a:schemeClr val="bg1">
+                <a:lumMod val="75000"/>
+              </a:schemeClr>
+            </a:solidFill>
+            <a:ln>
+              <a:solidFill>
+                <a:schemeClr val="bg1">
+                  <a:lumMod val="50000"/>
+                </a:schemeClr>
+              </a:solidFill>
+            </a:ln>
+          </p:spPr>
+          <p:style>
+            <a:lnRef idx="2">
+              <a:schemeClr val="accent1">
+                <a:shade val="50000"/>
+              </a:schemeClr>
+            </a:lnRef>
+            <a:fillRef idx="1">
+              <a:schemeClr val="accent1"/>
+            </a:fillRef>
+            <a:effectRef idx="0">
+              <a:schemeClr val="accent1"/>
+            </a:effectRef>
+            <a:fontRef idx="minor">
+              <a:schemeClr val="lt1"/>
+            </a:fontRef>
+          </p:style>
+          <p:txBody>
+            <a:bodyPr rtlCol="0" anchor="ctr"/>
+            <a:lstStyle/>
+            <a:p>
+              <a:pPr algn="ctr"/>
+              <a:endParaRPr lang="en-GB" dirty="0"/>
+            </a:p>
+          </p:txBody>
+        </p:sp>
+        <p:sp>
+          <p:nvSpPr>
+            <p:cNvPr id="579" name="Rectangle 578"/>
+            <p:cNvSpPr/>
+            <p:nvPr/>
+          </p:nvSpPr>
+          <p:spPr>
+            <a:xfrm>
+              <a:off x="4022224" y="4365104"/>
+              <a:ext cx="84329" cy="1800000"/>
+            </a:xfrm>
+            <a:prstGeom prst="rect">
+              <a:avLst/>
+            </a:prstGeom>
+            <a:solidFill>
+              <a:schemeClr val="bg1">
+                <a:lumMod val="75000"/>
+              </a:schemeClr>
+            </a:solidFill>
+            <a:ln>
+              <a:solidFill>
+                <a:schemeClr val="bg1">
+                  <a:lumMod val="50000"/>
+                </a:schemeClr>
+              </a:solidFill>
+            </a:ln>
+          </p:spPr>
+          <p:style>
+            <a:lnRef idx="2">
+              <a:schemeClr val="accent1">
+                <a:shade val="50000"/>
+              </a:schemeClr>
+            </a:lnRef>
+            <a:fillRef idx="1">
+              <a:schemeClr val="accent1"/>
+            </a:fillRef>
+            <a:effectRef idx="0">
+              <a:schemeClr val="accent1"/>
+            </a:effectRef>
+            <a:fontRef idx="minor">
+              <a:schemeClr val="lt1"/>
+            </a:fontRef>
+          </p:style>
+          <p:txBody>
+            <a:bodyPr rtlCol="0" anchor="ctr"/>
+            <a:lstStyle/>
+            <a:p>
+              <a:pPr algn="ctr"/>
+              <a:endParaRPr lang="en-GB" dirty="0"/>
+            </a:p>
+          </p:txBody>
+        </p:sp>
+        <p:sp>
+          <p:nvSpPr>
+            <p:cNvPr id="580" name="Rectangle 579"/>
+            <p:cNvSpPr/>
+            <p:nvPr/>
+          </p:nvSpPr>
+          <p:spPr>
+            <a:xfrm>
+              <a:off x="4221484" y="4365104"/>
+              <a:ext cx="84329" cy="1800000"/>
+            </a:xfrm>
+            <a:prstGeom prst="rect">
+              <a:avLst/>
+            </a:prstGeom>
+            <a:solidFill>
+              <a:schemeClr val="bg1">
+                <a:lumMod val="75000"/>
+              </a:schemeClr>
+            </a:solidFill>
+            <a:ln>
+              <a:solidFill>
+                <a:schemeClr val="bg1">
+                  <a:lumMod val="50000"/>
+                </a:schemeClr>
+              </a:solidFill>
+            </a:ln>
+          </p:spPr>
+          <p:style>
+            <a:lnRef idx="2">
+              <a:schemeClr val="accent1">
+                <a:shade val="50000"/>
+              </a:schemeClr>
+            </a:lnRef>
+            <a:fillRef idx="1">
+              <a:schemeClr val="accent1"/>
+            </a:fillRef>
+            <a:effectRef idx="0">
+              <a:schemeClr val="accent1"/>
+            </a:effectRef>
+            <a:fontRef idx="minor">
+              <a:schemeClr val="lt1"/>
+            </a:fontRef>
+          </p:style>
+          <p:txBody>
+            <a:bodyPr rtlCol="0" anchor="ctr"/>
+            <a:lstStyle/>
+            <a:p>
+              <a:pPr algn="ctr"/>
+              <a:endParaRPr lang="en-GB" dirty="0"/>
+            </a:p>
+          </p:txBody>
+        </p:sp>
+        <p:sp>
+          <p:nvSpPr>
+            <p:cNvPr id="581" name="Rectangle 580"/>
+            <p:cNvSpPr/>
+            <p:nvPr/>
+          </p:nvSpPr>
+          <p:spPr>
+            <a:xfrm>
+              <a:off x="4435221" y="4365104"/>
+              <a:ext cx="84329" cy="1800000"/>
+            </a:xfrm>
+            <a:prstGeom prst="rect">
+              <a:avLst/>
+            </a:prstGeom>
+            <a:solidFill>
+              <a:schemeClr val="bg1">
+                <a:lumMod val="75000"/>
+              </a:schemeClr>
+            </a:solidFill>
+            <a:ln>
+              <a:solidFill>
+                <a:schemeClr val="bg1">
+                  <a:lumMod val="50000"/>
+                </a:schemeClr>
+              </a:solidFill>
+            </a:ln>
+          </p:spPr>
+          <p:style>
+            <a:lnRef idx="2">
+              <a:schemeClr val="accent1">
+                <a:shade val="50000"/>
+              </a:schemeClr>
+            </a:lnRef>
+            <a:fillRef idx="1">
+              <a:schemeClr val="accent1"/>
+            </a:fillRef>
+            <a:effectRef idx="0">
+              <a:schemeClr val="accent1"/>
+            </a:effectRef>
+            <a:fontRef idx="minor">
+              <a:schemeClr val="lt1"/>
+            </a:fontRef>
+          </p:style>
+          <p:txBody>
+            <a:bodyPr rtlCol="0" anchor="ctr"/>
+            <a:lstStyle/>
+            <a:p>
+              <a:pPr algn="ctr"/>
+              <a:endParaRPr lang="en-GB" dirty="0"/>
+            </a:p>
+          </p:txBody>
+        </p:sp>
+        <p:sp>
+          <p:nvSpPr>
+            <p:cNvPr id="582" name="Rectangle 581"/>
+            <p:cNvSpPr/>
+            <p:nvPr/>
+          </p:nvSpPr>
+          <p:spPr>
+            <a:xfrm>
+              <a:off x="4629149" y="4365104"/>
+              <a:ext cx="84329" cy="1800000"/>
+            </a:xfrm>
+            <a:prstGeom prst="rect">
+              <a:avLst/>
+            </a:prstGeom>
+            <a:solidFill>
+              <a:schemeClr val="bg1">
+                <a:lumMod val="75000"/>
+              </a:schemeClr>
+            </a:solidFill>
+            <a:ln>
+              <a:solidFill>
+                <a:schemeClr val="bg1">
+                  <a:lumMod val="50000"/>
+                </a:schemeClr>
+              </a:solidFill>
+            </a:ln>
+          </p:spPr>
+          <p:style>
+            <a:lnRef idx="2">
+              <a:schemeClr val="accent1">
+                <a:shade val="50000"/>
+              </a:schemeClr>
+            </a:lnRef>
+            <a:fillRef idx="1">
+              <a:schemeClr val="accent1"/>
+            </a:fillRef>
+            <a:effectRef idx="0">
+              <a:schemeClr val="accent1"/>
+            </a:effectRef>
+            <a:fontRef idx="minor">
+              <a:schemeClr val="lt1"/>
+            </a:fontRef>
+          </p:style>
+          <p:txBody>
+            <a:bodyPr rtlCol="0" anchor="ctr"/>
+            <a:lstStyle/>
+            <a:p>
+              <a:pPr algn="ctr"/>
+              <a:endParaRPr lang="en-GB" dirty="0"/>
             </a:p>
           </p:txBody>
         </p:sp>
       </p:grpSp>
+      <p:sp>
+        <p:nvSpPr>
+          <p:cNvPr id="571" name="Arc 570"/>
+          <p:cNvSpPr/>
+          <p:nvPr/>
+        </p:nvSpPr>
+        <p:spPr>
+          <a:xfrm>
+            <a:off x="7365834" y="6161592"/>
+            <a:ext cx="476191" cy="371876"/>
+          </a:xfrm>
+          <a:prstGeom prst="arc">
+            <a:avLst>
+              <a:gd name="adj1" fmla="val 16200000"/>
+              <a:gd name="adj2" fmla="val 20775407"/>
+            </a:avLst>
+          </a:prstGeom>
+          <a:ln w="28575"/>
+        </p:spPr>
+        <p:style>
+          <a:lnRef idx="1">
+            <a:schemeClr val="dk1"/>
+          </a:lnRef>
+          <a:fillRef idx="0">
+            <a:schemeClr val="dk1"/>
+          </a:fillRef>
+          <a:effectRef idx="0">
+            <a:schemeClr val="dk1"/>
+          </a:effectRef>
+          <a:fontRef idx="minor">
+            <a:schemeClr val="tx1"/>
+          </a:fontRef>
+        </p:style>
+        <p:txBody>
+          <a:bodyPr rtlCol="0" anchor="ctr"/>
+          <a:lstStyle/>
+          <a:p>
+            <a:pPr algn="ctr"/>
+            <a:endParaRPr lang="en-GB" dirty="0"/>
+          </a:p>
+        </p:txBody>
+      </p:sp>
+      <p:sp>
+        <p:nvSpPr>
+          <p:cNvPr id="572" name="TextBox 571"/>
+          <p:cNvSpPr txBox="1"/>
+          <p:nvPr/>
+        </p:nvSpPr>
+        <p:spPr>
+          <a:xfrm>
+            <a:off x="7563552" y="5739522"/>
+            <a:ext cx="409871" cy="381643"/>
+          </a:xfrm>
+          <a:prstGeom prst="rect">
+            <a:avLst/>
+          </a:prstGeom>
+          <a:noFill/>
+        </p:spPr>
+        <p:txBody>
+          <a:bodyPr wrap="square" rtlCol="0">
+            <a:spAutoFit/>
+          </a:bodyPr>
+          <a:lstStyle/>
+          <a:p>
+            <a:r>
+              <a:rPr lang="el-GR" sz="2500" dirty="0" smtClean="0">
+                <a:latin typeface="Calibri"/>
+              </a:rPr>
+              <a:t>φ</a:t>
+            </a:r>
+            <a:endParaRPr lang="en-GB" sz="2500" dirty="0"/>
+          </a:p>
+        </p:txBody>
+      </p:sp>
+      <p:cxnSp>
+        <p:nvCxnSpPr>
+          <p:cNvPr id="569" name="Straight Arrow Connector 568"/>
+          <p:cNvCxnSpPr/>
+          <p:nvPr/>
+        </p:nvCxnSpPr>
+        <p:spPr>
+          <a:xfrm>
+            <a:off x="6050419" y="7748569"/>
+            <a:ext cx="900000" cy="0"/>
+          </a:xfrm>
+          <a:prstGeom prst="straightConnector1">
+            <a:avLst/>
+          </a:prstGeom>
+          <a:ln w="38100">
+            <a:solidFill>
+              <a:srgbClr val="FF0000"/>
+            </a:solidFill>
+            <a:headEnd type="arrow"/>
+            <a:tailEnd type="arrow" w="sm" len="med"/>
+          </a:ln>
+        </p:spPr>
+        <p:style>
+          <a:lnRef idx="1">
+            <a:schemeClr val="accent1"/>
+          </a:lnRef>
+          <a:fillRef idx="0">
+            <a:schemeClr val="accent1"/>
+          </a:fillRef>
+          <a:effectRef idx="0">
+            <a:schemeClr val="accent1"/>
+          </a:effectRef>
+          <a:fontRef idx="minor">
+            <a:schemeClr val="tx1"/>
+          </a:fontRef>
+        </p:style>
+      </p:cxnSp>
+      <p:cxnSp>
+        <p:nvCxnSpPr>
+          <p:cNvPr id="566" name="Straight Arrow Connector 565"/>
+          <p:cNvCxnSpPr/>
+          <p:nvPr/>
+        </p:nvCxnSpPr>
+        <p:spPr>
+          <a:xfrm rot="16200000">
+            <a:off x="6038677" y="7758813"/>
+            <a:ext cx="900000" cy="0"/>
+          </a:xfrm>
+          <a:prstGeom prst="straightConnector1">
+            <a:avLst/>
+          </a:prstGeom>
+          <a:ln w="38100">
+            <a:solidFill>
+              <a:srgbClr val="0000CC"/>
+            </a:solidFill>
+            <a:headEnd type="arrow"/>
+            <a:tailEnd type="arrow" w="sm" len="med"/>
+          </a:ln>
+        </p:spPr>
+        <p:style>
+          <a:lnRef idx="1">
+            <a:schemeClr val="accent1"/>
+          </a:lnRef>
+          <a:fillRef idx="0">
+            <a:schemeClr val="accent1"/>
+          </a:fillRef>
+          <a:effectRef idx="0">
+            <a:schemeClr val="accent1"/>
+          </a:effectRef>
+          <a:fontRef idx="minor">
+            <a:schemeClr val="tx1"/>
+          </a:fontRef>
+        </p:style>
+      </p:cxnSp>
+      <p:cxnSp>
+        <p:nvCxnSpPr>
+          <p:cNvPr id="567" name="Straight Arrow Connector 566"/>
+          <p:cNvCxnSpPr/>
+          <p:nvPr/>
+        </p:nvCxnSpPr>
+        <p:spPr>
+          <a:xfrm flipV="1">
+            <a:off x="6480472" y="6709157"/>
+            <a:ext cx="1572038" cy="1035255"/>
+          </a:xfrm>
+          <a:prstGeom prst="straightConnector1">
+            <a:avLst/>
+          </a:prstGeom>
+          <a:ln w="69850">
+            <a:solidFill>
+              <a:schemeClr val="tx1"/>
+            </a:solidFill>
+            <a:tailEnd type="triangle"/>
+          </a:ln>
+        </p:spPr>
+        <p:style>
+          <a:lnRef idx="1">
+            <a:schemeClr val="accent1"/>
+          </a:lnRef>
+          <a:fillRef idx="0">
+            <a:schemeClr val="accent1"/>
+          </a:fillRef>
+          <a:effectRef idx="0">
+            <a:schemeClr val="accent1"/>
+          </a:effectRef>
+          <a:fontRef idx="minor">
+            <a:schemeClr val="tx1"/>
+          </a:fontRef>
+        </p:style>
+      </p:cxnSp>
+      <p:sp>
+        <p:nvSpPr>
+          <p:cNvPr id="563" name="TextBox 562"/>
+          <p:cNvSpPr txBox="1"/>
+          <p:nvPr/>
+        </p:nvSpPr>
+        <p:spPr>
+          <a:xfrm>
+            <a:off x="6877554" y="7501215"/>
+            <a:ext cx="713136" cy="477054"/>
+          </a:xfrm>
+          <a:prstGeom prst="rect">
+            <a:avLst/>
+          </a:prstGeom>
+          <a:noFill/>
+        </p:spPr>
+        <p:txBody>
+          <a:bodyPr wrap="square" rtlCol="0">
+            <a:spAutoFit/>
+          </a:bodyPr>
+          <a:lstStyle/>
+          <a:p>
+            <a:r>
+              <a:rPr lang="en-GB" sz="2500" dirty="0" smtClean="0">
+                <a:solidFill>
+                  <a:srgbClr val="FF0000"/>
+                </a:solidFill>
+              </a:rPr>
+              <a:t>TM</a:t>
+            </a:r>
+            <a:endParaRPr lang="en-GB" sz="2500" dirty="0">
+              <a:solidFill>
+                <a:srgbClr val="FF0000"/>
+              </a:solidFill>
+            </a:endParaRPr>
+          </a:p>
+        </p:txBody>
+      </p:sp>
+      <p:sp>
+        <p:nvSpPr>
+          <p:cNvPr id="564" name="TextBox 563"/>
+          <p:cNvSpPr txBox="1"/>
+          <p:nvPr/>
+        </p:nvSpPr>
+        <p:spPr>
+          <a:xfrm>
+            <a:off x="6238721" y="6925151"/>
+            <a:ext cx="544516" cy="381643"/>
+          </a:xfrm>
+          <a:prstGeom prst="rect">
+            <a:avLst/>
+          </a:prstGeom>
+          <a:noFill/>
+        </p:spPr>
+        <p:txBody>
+          <a:bodyPr wrap="square" rtlCol="0">
+            <a:spAutoFit/>
+          </a:bodyPr>
+          <a:lstStyle/>
+          <a:p>
+            <a:r>
+              <a:rPr lang="en-GB" sz="2500" dirty="0" smtClean="0">
+                <a:solidFill>
+                  <a:srgbClr val="0000CC"/>
+                </a:solidFill>
+              </a:rPr>
+              <a:t>TE</a:t>
+            </a:r>
+            <a:endParaRPr lang="en-GB" sz="2500" dirty="0">
+              <a:solidFill>
+                <a:srgbClr val="0000CC"/>
+              </a:solidFill>
+            </a:endParaRPr>
+          </a:p>
+        </p:txBody>
+      </p:sp>
+      <p:cxnSp>
+        <p:nvCxnSpPr>
+          <p:cNvPr id="4" name="Straight Connector 3"/>
+          <p:cNvCxnSpPr/>
+          <p:nvPr/>
+        </p:nvCxnSpPr>
+        <p:spPr>
+          <a:xfrm>
+            <a:off x="7597585" y="5281283"/>
+            <a:ext cx="0" cy="1692000"/>
+          </a:xfrm>
+          <a:prstGeom prst="line">
+            <a:avLst/>
+          </a:prstGeom>
+          <a:ln w="28575">
+            <a:solidFill>
+              <a:schemeClr val="tx1"/>
+            </a:solidFill>
+            <a:prstDash val="dash"/>
+          </a:ln>
+        </p:spPr>
+        <p:style>
+          <a:lnRef idx="1">
+            <a:schemeClr val="accent1"/>
+          </a:lnRef>
+          <a:fillRef idx="0">
+            <a:schemeClr val="accent1"/>
+          </a:fillRef>
+          <a:effectRef idx="0">
+            <a:schemeClr val="accent1"/>
+          </a:effectRef>
+          <a:fontRef idx="minor">
+            <a:schemeClr val="tx1"/>
+          </a:fontRef>
+        </p:style>
+      </p:cxnSp>
     </p:spTree>
     <p:extLst>
       <p:ext uri="{BB962C8B-B14F-4D97-AF65-F5344CB8AC3E}">
